--- a/2parcial/Plantilla.pptx
+++ b/2parcial/Plantilla.pptx
@@ -318,7 +318,7 @@
           <a:p>
             <a:fld id="{EDC82A51-097F-4864-A4F6-46FECE056A0F}" type="datetimeFigureOut">
               <a:rPr lang="es-MX" smtClean="0"/>
-              <a:t>05/03/2018</a:t>
+              <a:t>08/06/2018</a:t>
             </a:fld>
             <a:endParaRPr lang="es-MX"/>
           </a:p>
@@ -484,7 +484,7 @@
           <a:p>
             <a:fld id="{E63B3BB3-357B-4FB6-ADE2-74838EC5FF5B}" type="datetimeFigureOut">
               <a:rPr lang="es-MX" smtClean="0"/>
-              <a:t>05/03/2018</a:t>
+              <a:t>08/06/2018</a:t>
             </a:fld>
             <a:endParaRPr lang="es-MX"/>
           </a:p>
@@ -6242,7 +6242,7 @@
           <a:p>
             <a:fld id="{78BB2372-2761-44A5-AED3-734D90A1B253}" type="datetime1">
               <a:rPr lang="es-MX" smtClean="0"/>
-              <a:t>05/03/2018</a:t>
+              <a:t>08/06/2018</a:t>
             </a:fld>
             <a:endParaRPr lang="es-MX"/>
           </a:p>
@@ -6569,7 +6569,7 @@
           <a:p>
             <a:fld id="{B9B91C8B-79E6-4FAB-AAA7-803997839D51}" type="datetime1">
               <a:rPr lang="es-MX" smtClean="0"/>
-              <a:t>05/03/2018</a:t>
+              <a:t>08/06/2018</a:t>
             </a:fld>
             <a:endParaRPr lang="es-MX"/>
           </a:p>
@@ -6958,7 +6958,7 @@
           <a:p>
             <a:fld id="{525A6663-3E4E-4BE2-B7C2-3A277D8C1141}" type="datetime1">
               <a:rPr lang="es-MX" smtClean="0"/>
-              <a:t>05/03/2018</a:t>
+              <a:t>08/06/2018</a:t>
             </a:fld>
             <a:endParaRPr lang="es-MX"/>
           </a:p>
@@ -7482,7 +7482,7 @@
           <a:p>
             <a:fld id="{20C663D8-7129-46BF-8062-AF5F0D6B0C91}" type="datetime1">
               <a:rPr lang="es-MX" smtClean="0"/>
-              <a:t>05/03/2018</a:t>
+              <a:t>08/06/2018</a:t>
             </a:fld>
             <a:endParaRPr lang="es-MX"/>
           </a:p>
@@ -7956,7 +7956,7 @@
           <a:p>
             <a:fld id="{A59B6387-BD91-404A-94B0-4B385FB9C007}" type="datetime1">
               <a:rPr lang="es-MX" smtClean="0"/>
-              <a:t>05/03/2018</a:t>
+              <a:t>08/06/2018</a:t>
             </a:fld>
             <a:endParaRPr lang="es-MX"/>
           </a:p>
@@ -8351,7 +8351,7 @@
           <a:p>
             <a:fld id="{423DBE62-F9C6-4A5A-BC68-93E95FD9505D}" type="datetime1">
               <a:rPr lang="es-MX" smtClean="0"/>
-              <a:t>05/03/2018</a:t>
+              <a:t>08/06/2018</a:t>
             </a:fld>
             <a:endParaRPr lang="es-MX"/>
           </a:p>
@@ -8927,7 +8927,7 @@
           <a:p>
             <a:fld id="{A602A375-89B7-4F9D-A448-9546AA8105B1}" type="datetime1">
               <a:rPr lang="es-MX" smtClean="0"/>
-              <a:t>05/03/2018</a:t>
+              <a:t>08/06/2018</a:t>
             </a:fld>
             <a:endParaRPr lang="es-MX"/>
           </a:p>
@@ -9338,7 +9338,7 @@
           <a:p>
             <a:fld id="{5B8F175C-BFB3-412A-AB80-C4D6AE6272F7}" type="datetime1">
               <a:rPr lang="es-MX" smtClean="0"/>
-              <a:t>05/03/2018</a:t>
+              <a:t>08/06/2018</a:t>
             </a:fld>
             <a:endParaRPr lang="es-MX"/>
           </a:p>
@@ -9588,7 +9588,7 @@
             <a:fld id="{78BB2372-2761-44A5-AED3-734D90A1B253}" type="datetime1">
               <a:rPr lang="es-MX" smtClean="0"/>
               <a:pPr/>
-              <a:t>05/03/2018</a:t>
+              <a:t>08/06/2018</a:t>
             </a:fld>
             <a:endParaRPr lang="es-MX"/>
           </a:p>
@@ -9713,7 +9713,7 @@
           <a:p>
             <a:fld id="{4E6F4C02-A620-45D8-940B-97B1E5288140}" type="datetime1">
               <a:rPr lang="es-MX" smtClean="0"/>
-              <a:t>05/03/2018</a:t>
+              <a:t>08/06/2018</a:t>
             </a:fld>
             <a:endParaRPr lang="es-MX"/>
           </a:p>
@@ -10046,7 +10046,7 @@
           <a:p>
             <a:fld id="{71D4A01E-58B7-4E95-B611-CCD75B026A5D}" type="datetime1">
               <a:rPr lang="es-MX" smtClean="0"/>
-              <a:t>05/03/2018</a:t>
+              <a:t>08/06/2018</a:t>
             </a:fld>
             <a:endParaRPr lang="es-MX"/>
           </a:p>
@@ -10482,7 +10482,7 @@
           <a:p>
             <a:fld id="{2F1087C9-DB44-44FD-9E1D-7A9C2507E50D}" type="datetime1">
               <a:rPr lang="es-MX" smtClean="0"/>
-              <a:t>05/03/2018</a:t>
+              <a:t>08/06/2018</a:t>
             </a:fld>
             <a:endParaRPr lang="es-MX"/>
           </a:p>
@@ -10909,7 +10909,7 @@
           <a:p>
             <a:fld id="{86C499C8-E619-40EE-A327-D03ADBE772E0}" type="datetime1">
               <a:rPr lang="es-MX" smtClean="0"/>
-              <a:t>05/03/2018</a:t>
+              <a:t>08/06/2018</a:t>
             </a:fld>
             <a:endParaRPr lang="es-MX"/>
           </a:p>
@@ -11858,14 +11858,14 @@
                 <a:gridCol w="4175760">
                   <a:extLst>
                     <a:ext uri="{9D8B030D-6E8A-4147-A177-3AD203B41FA5}">
-                      <a16:colId xmlns:a16="http://schemas.microsoft.com/office/drawing/2014/main" val="1596070528"/>
+                      <a16:colId xmlns="" xmlns:a16="http://schemas.microsoft.com/office/drawing/2014/main" val="1596070528"/>
                     </a:ext>
                   </a:extLst>
                 </a:gridCol>
                 <a:gridCol w="4175760">
                   <a:extLst>
                     <a:ext uri="{9D8B030D-6E8A-4147-A177-3AD203B41FA5}">
-                      <a16:colId xmlns:a16="http://schemas.microsoft.com/office/drawing/2014/main" val="2641734424"/>
+                      <a16:colId xmlns="" xmlns:a16="http://schemas.microsoft.com/office/drawing/2014/main" val="2641734424"/>
                     </a:ext>
                   </a:extLst>
                 </a:gridCol>
@@ -11903,7 +11903,7 @@
                 </a:tc>
                 <a:extLst>
                   <a:ext uri="{0D108BD9-81ED-4DB2-BD59-A6C34878D82A}">
-                    <a16:rowId xmlns:a16="http://schemas.microsoft.com/office/drawing/2014/main" val="3965714803"/>
+                    <a16:rowId xmlns="" xmlns:a16="http://schemas.microsoft.com/office/drawing/2014/main" val="3965714803"/>
                   </a:ext>
                 </a:extLst>
               </a:tr>
@@ -11952,7 +11952,7 @@
                 </a:tc>
                 <a:extLst>
                   <a:ext uri="{0D108BD9-81ED-4DB2-BD59-A6C34878D82A}">
-                    <a16:rowId xmlns:a16="http://schemas.microsoft.com/office/drawing/2014/main" val="3608420769"/>
+                    <a16:rowId xmlns="" xmlns:a16="http://schemas.microsoft.com/office/drawing/2014/main" val="3608420769"/>
                   </a:ext>
                 </a:extLst>
               </a:tr>
@@ -12041,7 +12041,7 @@
                 </a:tc>
                 <a:extLst>
                   <a:ext uri="{0D108BD9-81ED-4DB2-BD59-A6C34878D82A}">
-                    <a16:rowId xmlns:a16="http://schemas.microsoft.com/office/drawing/2014/main" val="1604709653"/>
+                    <a16:rowId xmlns="" xmlns:a16="http://schemas.microsoft.com/office/drawing/2014/main" val="1604709653"/>
                   </a:ext>
                 </a:extLst>
               </a:tr>
@@ -12068,7 +12068,7 @@
                 </a:tc>
                 <a:extLst>
                   <a:ext uri="{0D108BD9-81ED-4DB2-BD59-A6C34878D82A}">
-                    <a16:rowId xmlns:a16="http://schemas.microsoft.com/office/drawing/2014/main" val="3862893529"/>
+                    <a16:rowId xmlns="" xmlns:a16="http://schemas.microsoft.com/office/drawing/2014/main" val="3862893529"/>
                   </a:ext>
                 </a:extLst>
               </a:tr>
@@ -16193,14 +16193,14 @@
                 <a:gridCol w="1293791">
                   <a:extLst>
                     <a:ext uri="{9D8B030D-6E8A-4147-A177-3AD203B41FA5}">
-                      <a16:colId xmlns:a16="http://schemas.microsoft.com/office/drawing/2014/main" val="20000"/>
+                      <a16:colId xmlns="" xmlns:a16="http://schemas.microsoft.com/office/drawing/2014/main" val="20000"/>
                     </a:ext>
                   </a:extLst>
                 </a:gridCol>
                 <a:gridCol w="1293791">
                   <a:extLst>
                     <a:ext uri="{9D8B030D-6E8A-4147-A177-3AD203B41FA5}">
-                      <a16:colId xmlns:a16="http://schemas.microsoft.com/office/drawing/2014/main" val="20001"/>
+                      <a16:colId xmlns="" xmlns:a16="http://schemas.microsoft.com/office/drawing/2014/main" val="20001"/>
                     </a:ext>
                   </a:extLst>
                 </a:gridCol>
@@ -16240,7 +16240,7 @@
                 </a:tc>
                 <a:extLst>
                   <a:ext uri="{0D108BD9-81ED-4DB2-BD59-A6C34878D82A}">
-                    <a16:rowId xmlns:a16="http://schemas.microsoft.com/office/drawing/2014/main" val="10000"/>
+                    <a16:rowId xmlns="" xmlns:a16="http://schemas.microsoft.com/office/drawing/2014/main" val="10000"/>
                   </a:ext>
                 </a:extLst>
               </a:tr>
@@ -16277,7 +16277,7 @@
                 </a:tc>
                 <a:extLst>
                   <a:ext uri="{0D108BD9-81ED-4DB2-BD59-A6C34878D82A}">
-                    <a16:rowId xmlns:a16="http://schemas.microsoft.com/office/drawing/2014/main" val="10001"/>
+                    <a16:rowId xmlns="" xmlns:a16="http://schemas.microsoft.com/office/drawing/2014/main" val="10001"/>
                   </a:ext>
                 </a:extLst>
               </a:tr>
@@ -16314,7 +16314,7 @@
                 </a:tc>
                 <a:extLst>
                   <a:ext uri="{0D108BD9-81ED-4DB2-BD59-A6C34878D82A}">
-                    <a16:rowId xmlns:a16="http://schemas.microsoft.com/office/drawing/2014/main" val="10002"/>
+                    <a16:rowId xmlns="" xmlns:a16="http://schemas.microsoft.com/office/drawing/2014/main" val="10002"/>
                   </a:ext>
                 </a:extLst>
               </a:tr>
@@ -16462,21 +16462,21 @@
                 <a:gridCol w="2380575">
                   <a:extLst>
                     <a:ext uri="{9D8B030D-6E8A-4147-A177-3AD203B41FA5}">
-                      <a16:colId xmlns:a16="http://schemas.microsoft.com/office/drawing/2014/main" val="20000"/>
+                      <a16:colId xmlns="" xmlns:a16="http://schemas.microsoft.com/office/drawing/2014/main" val="20000"/>
                     </a:ext>
                   </a:extLst>
                 </a:gridCol>
                 <a:gridCol w="2380575">
                   <a:extLst>
                     <a:ext uri="{9D8B030D-6E8A-4147-A177-3AD203B41FA5}">
-                      <a16:colId xmlns:a16="http://schemas.microsoft.com/office/drawing/2014/main" val="20001"/>
+                      <a16:colId xmlns="" xmlns:a16="http://schemas.microsoft.com/office/drawing/2014/main" val="20001"/>
                     </a:ext>
                   </a:extLst>
                 </a:gridCol>
                 <a:gridCol w="2380575">
                   <a:extLst>
                     <a:ext uri="{9D8B030D-6E8A-4147-A177-3AD203B41FA5}">
-                      <a16:colId xmlns:a16="http://schemas.microsoft.com/office/drawing/2014/main" val="20002"/>
+                      <a16:colId xmlns="" xmlns:a16="http://schemas.microsoft.com/office/drawing/2014/main" val="20002"/>
                     </a:ext>
                   </a:extLst>
                 </a:gridCol>
@@ -16559,7 +16559,7 @@
                 </a:tc>
                 <a:extLst>
                   <a:ext uri="{0D108BD9-81ED-4DB2-BD59-A6C34878D82A}">
-                    <a16:rowId xmlns:a16="http://schemas.microsoft.com/office/drawing/2014/main" val="10000"/>
+                    <a16:rowId xmlns="" xmlns:a16="http://schemas.microsoft.com/office/drawing/2014/main" val="10000"/>
                   </a:ext>
                 </a:extLst>
               </a:tr>
@@ -16641,7 +16641,7 @@
                 </a:tc>
                 <a:extLst>
                   <a:ext uri="{0D108BD9-81ED-4DB2-BD59-A6C34878D82A}">
-                    <a16:rowId xmlns:a16="http://schemas.microsoft.com/office/drawing/2014/main" val="10001"/>
+                    <a16:rowId xmlns="" xmlns:a16="http://schemas.microsoft.com/office/drawing/2014/main" val="10001"/>
                   </a:ext>
                 </a:extLst>
               </a:tr>
@@ -16723,7 +16723,7 @@
                 </a:tc>
                 <a:extLst>
                   <a:ext uri="{0D108BD9-81ED-4DB2-BD59-A6C34878D82A}">
-                    <a16:rowId xmlns:a16="http://schemas.microsoft.com/office/drawing/2014/main" val="10002"/>
+                    <a16:rowId xmlns="" xmlns:a16="http://schemas.microsoft.com/office/drawing/2014/main" val="10002"/>
                   </a:ext>
                 </a:extLst>
               </a:tr>
@@ -16805,7 +16805,7 @@
                 </a:tc>
                 <a:extLst>
                   <a:ext uri="{0D108BD9-81ED-4DB2-BD59-A6C34878D82A}">
-                    <a16:rowId xmlns:a16="http://schemas.microsoft.com/office/drawing/2014/main" val="10003"/>
+                    <a16:rowId xmlns="" xmlns:a16="http://schemas.microsoft.com/office/drawing/2014/main" val="10003"/>
                   </a:ext>
                 </a:extLst>
               </a:tr>
@@ -16887,7 +16887,7 @@
                 </a:tc>
                 <a:extLst>
                   <a:ext uri="{0D108BD9-81ED-4DB2-BD59-A6C34878D82A}">
-                    <a16:rowId xmlns:a16="http://schemas.microsoft.com/office/drawing/2014/main" val="10004"/>
+                    <a16:rowId xmlns="" xmlns:a16="http://schemas.microsoft.com/office/drawing/2014/main" val="10004"/>
                   </a:ext>
                 </a:extLst>
               </a:tr>
@@ -17008,21 +17008,21 @@
                 <a:gridCol w="2401156">
                   <a:extLst>
                     <a:ext uri="{9D8B030D-6E8A-4147-A177-3AD203B41FA5}">
-                      <a16:colId xmlns:a16="http://schemas.microsoft.com/office/drawing/2014/main" val="20000"/>
+                      <a16:colId xmlns="" xmlns:a16="http://schemas.microsoft.com/office/drawing/2014/main" val="20000"/>
                     </a:ext>
                   </a:extLst>
                 </a:gridCol>
                 <a:gridCol w="2401156">
                   <a:extLst>
                     <a:ext uri="{9D8B030D-6E8A-4147-A177-3AD203B41FA5}">
-                      <a16:colId xmlns:a16="http://schemas.microsoft.com/office/drawing/2014/main" val="20001"/>
+                      <a16:colId xmlns="" xmlns:a16="http://schemas.microsoft.com/office/drawing/2014/main" val="20001"/>
                     </a:ext>
                   </a:extLst>
                 </a:gridCol>
                 <a:gridCol w="2401156">
                   <a:extLst>
                     <a:ext uri="{9D8B030D-6E8A-4147-A177-3AD203B41FA5}">
-                      <a16:colId xmlns:a16="http://schemas.microsoft.com/office/drawing/2014/main" val="20002"/>
+                      <a16:colId xmlns="" xmlns:a16="http://schemas.microsoft.com/office/drawing/2014/main" val="20002"/>
                     </a:ext>
                   </a:extLst>
                 </a:gridCol>
@@ -17078,7 +17078,7 @@
                 </a:tc>
                 <a:extLst>
                   <a:ext uri="{0D108BD9-81ED-4DB2-BD59-A6C34878D82A}">
-                    <a16:rowId xmlns:a16="http://schemas.microsoft.com/office/drawing/2014/main" val="10000"/>
+                    <a16:rowId xmlns="" xmlns:a16="http://schemas.microsoft.com/office/drawing/2014/main" val="10000"/>
                   </a:ext>
                 </a:extLst>
               </a:tr>
@@ -17130,7 +17130,7 @@
                 </a:tc>
                 <a:extLst>
                   <a:ext uri="{0D108BD9-81ED-4DB2-BD59-A6C34878D82A}">
-                    <a16:rowId xmlns:a16="http://schemas.microsoft.com/office/drawing/2014/main" val="10001"/>
+                    <a16:rowId xmlns="" xmlns:a16="http://schemas.microsoft.com/office/drawing/2014/main" val="10001"/>
                   </a:ext>
                 </a:extLst>
               </a:tr>
@@ -17182,7 +17182,7 @@
                 </a:tc>
                 <a:extLst>
                   <a:ext uri="{0D108BD9-81ED-4DB2-BD59-A6C34878D82A}">
-                    <a16:rowId xmlns:a16="http://schemas.microsoft.com/office/drawing/2014/main" val="10002"/>
+                    <a16:rowId xmlns="" xmlns:a16="http://schemas.microsoft.com/office/drawing/2014/main" val="10002"/>
                   </a:ext>
                 </a:extLst>
               </a:tr>
@@ -17234,7 +17234,7 @@
                 </a:tc>
                 <a:extLst>
                   <a:ext uri="{0D108BD9-81ED-4DB2-BD59-A6C34878D82A}">
-                    <a16:rowId xmlns:a16="http://schemas.microsoft.com/office/drawing/2014/main" val="10003"/>
+                    <a16:rowId xmlns="" xmlns:a16="http://schemas.microsoft.com/office/drawing/2014/main" val="10003"/>
                   </a:ext>
                 </a:extLst>
               </a:tr>
@@ -17286,7 +17286,7 @@
                 </a:tc>
                 <a:extLst>
                   <a:ext uri="{0D108BD9-81ED-4DB2-BD59-A6C34878D82A}">
-                    <a16:rowId xmlns:a16="http://schemas.microsoft.com/office/drawing/2014/main" val="10004"/>
+                    <a16:rowId xmlns="" xmlns:a16="http://schemas.microsoft.com/office/drawing/2014/main" val="10004"/>
                   </a:ext>
                 </a:extLst>
               </a:tr>
@@ -20864,8 +20864,8 @@
         </p:blipFill>
         <p:spPr>
           <a:xfrm>
-            <a:off x="2278885" y="1546783"/>
-            <a:ext cx="4631736" cy="4688917"/>
+            <a:off x="2127957" y="1383010"/>
+            <a:ext cx="8952085" cy="5474990"/>
           </a:xfrm>
           <a:prstGeom prst="rect">
             <a:avLst/>
@@ -24782,21 +24782,21 @@
                 <a:gridCol w="1727200">
                   <a:extLst>
                     <a:ext uri="{9D8B030D-6E8A-4147-A177-3AD203B41FA5}">
-                      <a16:colId xmlns:a16="http://schemas.microsoft.com/office/drawing/2014/main" val="358809226"/>
+                      <a16:colId xmlns="" xmlns:a16="http://schemas.microsoft.com/office/drawing/2014/main" val="358809226"/>
                     </a:ext>
                   </a:extLst>
                 </a:gridCol>
                 <a:gridCol w="3683726">
                   <a:extLst>
                     <a:ext uri="{9D8B030D-6E8A-4147-A177-3AD203B41FA5}">
-                      <a16:colId xmlns:a16="http://schemas.microsoft.com/office/drawing/2014/main" val="297456553"/>
+                      <a16:colId xmlns="" xmlns:a16="http://schemas.microsoft.com/office/drawing/2014/main" val="297456553"/>
                     </a:ext>
                   </a:extLst>
                 </a:gridCol>
                 <a:gridCol w="3555273">
                   <a:extLst>
                     <a:ext uri="{9D8B030D-6E8A-4147-A177-3AD203B41FA5}">
-                      <a16:colId xmlns:a16="http://schemas.microsoft.com/office/drawing/2014/main" val="1164694110"/>
+                      <a16:colId xmlns="" xmlns:a16="http://schemas.microsoft.com/office/drawing/2014/main" val="1164694110"/>
                     </a:ext>
                   </a:extLst>
                 </a:gridCol>
@@ -24966,7 +24966,7 @@
                 </a:tc>
                 <a:extLst>
                   <a:ext uri="{0D108BD9-81ED-4DB2-BD59-A6C34878D82A}">
-                    <a16:rowId xmlns:a16="http://schemas.microsoft.com/office/drawing/2014/main" val="1422047462"/>
+                    <a16:rowId xmlns="" xmlns:a16="http://schemas.microsoft.com/office/drawing/2014/main" val="1422047462"/>
                   </a:ext>
                 </a:extLst>
               </a:tr>
@@ -25134,7 +25134,7 @@
                 </a:tc>
                 <a:extLst>
                   <a:ext uri="{0D108BD9-81ED-4DB2-BD59-A6C34878D82A}">
-                    <a16:rowId xmlns:a16="http://schemas.microsoft.com/office/drawing/2014/main" val="1025029199"/>
+                    <a16:rowId xmlns="" xmlns:a16="http://schemas.microsoft.com/office/drawing/2014/main" val="1025029199"/>
                   </a:ext>
                 </a:extLst>
               </a:tr>
@@ -25302,7 +25302,7 @@
                 </a:tc>
                 <a:extLst>
                   <a:ext uri="{0D108BD9-81ED-4DB2-BD59-A6C34878D82A}">
-                    <a16:rowId xmlns:a16="http://schemas.microsoft.com/office/drawing/2014/main" val="3630539612"/>
+                    <a16:rowId xmlns="" xmlns:a16="http://schemas.microsoft.com/office/drawing/2014/main" val="3630539612"/>
                   </a:ext>
                 </a:extLst>
               </a:tr>
@@ -25470,7 +25470,7 @@
                 </a:tc>
                 <a:extLst>
                   <a:ext uri="{0D108BD9-81ED-4DB2-BD59-A6C34878D82A}">
-                    <a16:rowId xmlns:a16="http://schemas.microsoft.com/office/drawing/2014/main" val="167998149"/>
+                    <a16:rowId xmlns="" xmlns:a16="http://schemas.microsoft.com/office/drawing/2014/main" val="167998149"/>
                   </a:ext>
                 </a:extLst>
               </a:tr>
@@ -25638,7 +25638,7 @@
                 </a:tc>
                 <a:extLst>
                   <a:ext uri="{0D108BD9-81ED-4DB2-BD59-A6C34878D82A}">
-                    <a16:rowId xmlns:a16="http://schemas.microsoft.com/office/drawing/2014/main" val="3409953350"/>
+                    <a16:rowId xmlns="" xmlns:a16="http://schemas.microsoft.com/office/drawing/2014/main" val="3409953350"/>
                   </a:ext>
                 </a:extLst>
               </a:tr>
@@ -25961,21 +25961,21 @@
                 <a:gridCol w="2164924">
                   <a:extLst>
                     <a:ext uri="{9D8B030D-6E8A-4147-A177-3AD203B41FA5}">
-                      <a16:colId xmlns:a16="http://schemas.microsoft.com/office/drawing/2014/main" val="3922543209"/>
+                      <a16:colId xmlns="" xmlns:a16="http://schemas.microsoft.com/office/drawing/2014/main" val="3922543209"/>
                     </a:ext>
                   </a:extLst>
                 </a:gridCol>
                 <a:gridCol w="3216997">
                   <a:extLst>
                     <a:ext uri="{9D8B030D-6E8A-4147-A177-3AD203B41FA5}">
-                      <a16:colId xmlns:a16="http://schemas.microsoft.com/office/drawing/2014/main" val="858933005"/>
+                      <a16:colId xmlns="" xmlns:a16="http://schemas.microsoft.com/office/drawing/2014/main" val="858933005"/>
                     </a:ext>
                   </a:extLst>
                 </a:gridCol>
                 <a:gridCol w="3438409">
                   <a:extLst>
                     <a:ext uri="{9D8B030D-6E8A-4147-A177-3AD203B41FA5}">
-                      <a16:colId xmlns:a16="http://schemas.microsoft.com/office/drawing/2014/main" val="1965635707"/>
+                      <a16:colId xmlns="" xmlns:a16="http://schemas.microsoft.com/office/drawing/2014/main" val="1965635707"/>
                     </a:ext>
                   </a:extLst>
                 </a:gridCol>
@@ -26145,7 +26145,7 @@
                 </a:tc>
                 <a:extLst>
                   <a:ext uri="{0D108BD9-81ED-4DB2-BD59-A6C34878D82A}">
-                    <a16:rowId xmlns:a16="http://schemas.microsoft.com/office/drawing/2014/main" val="1163032766"/>
+                    <a16:rowId xmlns="" xmlns:a16="http://schemas.microsoft.com/office/drawing/2014/main" val="1163032766"/>
                   </a:ext>
                 </a:extLst>
               </a:tr>
@@ -26321,7 +26321,7 @@
                 </a:tc>
                 <a:extLst>
                   <a:ext uri="{0D108BD9-81ED-4DB2-BD59-A6C34878D82A}">
-                    <a16:rowId xmlns:a16="http://schemas.microsoft.com/office/drawing/2014/main" val="51063936"/>
+                    <a16:rowId xmlns="" xmlns:a16="http://schemas.microsoft.com/office/drawing/2014/main" val="51063936"/>
                   </a:ext>
                 </a:extLst>
               </a:tr>
@@ -26489,7 +26489,7 @@
                 </a:tc>
                 <a:extLst>
                   <a:ext uri="{0D108BD9-81ED-4DB2-BD59-A6C34878D82A}">
-                    <a16:rowId xmlns:a16="http://schemas.microsoft.com/office/drawing/2014/main" val="2183499688"/>
+                    <a16:rowId xmlns="" xmlns:a16="http://schemas.microsoft.com/office/drawing/2014/main" val="2183499688"/>
                   </a:ext>
                 </a:extLst>
               </a:tr>
@@ -26657,7 +26657,7 @@
                 </a:tc>
                 <a:extLst>
                   <a:ext uri="{0D108BD9-81ED-4DB2-BD59-A6C34878D82A}">
-                    <a16:rowId xmlns:a16="http://schemas.microsoft.com/office/drawing/2014/main" val="2855653339"/>
+                    <a16:rowId xmlns="" xmlns:a16="http://schemas.microsoft.com/office/drawing/2014/main" val="2855653339"/>
                   </a:ext>
                 </a:extLst>
               </a:tr>
@@ -26833,7 +26833,7 @@
                 </a:tc>
                 <a:extLst>
                   <a:ext uri="{0D108BD9-81ED-4DB2-BD59-A6C34878D82A}">
-                    <a16:rowId xmlns:a16="http://schemas.microsoft.com/office/drawing/2014/main" val="503806477"/>
+                    <a16:rowId xmlns="" xmlns:a16="http://schemas.microsoft.com/office/drawing/2014/main" val="503806477"/>
                   </a:ext>
                 </a:extLst>
               </a:tr>
@@ -27263,21 +27263,21 @@
                 <a:gridCol w="2197463">
                   <a:extLst>
                     <a:ext uri="{9D8B030D-6E8A-4147-A177-3AD203B41FA5}">
-                      <a16:colId xmlns:a16="http://schemas.microsoft.com/office/drawing/2014/main" val="2157772263"/>
+                      <a16:colId xmlns="" xmlns:a16="http://schemas.microsoft.com/office/drawing/2014/main" val="2157772263"/>
                     </a:ext>
                   </a:extLst>
                 </a:gridCol>
                 <a:gridCol w="3604381">
                   <a:extLst>
                     <a:ext uri="{9D8B030D-6E8A-4147-A177-3AD203B41FA5}">
-                      <a16:colId xmlns:a16="http://schemas.microsoft.com/office/drawing/2014/main" val="1267885860"/>
+                      <a16:colId xmlns="" xmlns:a16="http://schemas.microsoft.com/office/drawing/2014/main" val="1267885860"/>
                     </a:ext>
                   </a:extLst>
                 </a:gridCol>
                 <a:gridCol w="2900922">
                   <a:extLst>
                     <a:ext uri="{9D8B030D-6E8A-4147-A177-3AD203B41FA5}">
-                      <a16:colId xmlns:a16="http://schemas.microsoft.com/office/drawing/2014/main" val="1979749074"/>
+                      <a16:colId xmlns="" xmlns:a16="http://schemas.microsoft.com/office/drawing/2014/main" val="1979749074"/>
                     </a:ext>
                   </a:extLst>
                 </a:gridCol>
@@ -27447,7 +27447,7 @@
                 </a:tc>
                 <a:extLst>
                   <a:ext uri="{0D108BD9-81ED-4DB2-BD59-A6C34878D82A}">
-                    <a16:rowId xmlns:a16="http://schemas.microsoft.com/office/drawing/2014/main" val="3316551353"/>
+                    <a16:rowId xmlns="" xmlns:a16="http://schemas.microsoft.com/office/drawing/2014/main" val="3316551353"/>
                   </a:ext>
                 </a:extLst>
               </a:tr>
@@ -27623,7 +27623,7 @@
                 </a:tc>
                 <a:extLst>
                   <a:ext uri="{0D108BD9-81ED-4DB2-BD59-A6C34878D82A}">
-                    <a16:rowId xmlns:a16="http://schemas.microsoft.com/office/drawing/2014/main" val="1633316216"/>
+                    <a16:rowId xmlns="" xmlns:a16="http://schemas.microsoft.com/office/drawing/2014/main" val="1633316216"/>
                   </a:ext>
                 </a:extLst>
               </a:tr>
@@ -27791,7 +27791,7 @@
                 </a:tc>
                 <a:extLst>
                   <a:ext uri="{0D108BD9-81ED-4DB2-BD59-A6C34878D82A}">
-                    <a16:rowId xmlns:a16="http://schemas.microsoft.com/office/drawing/2014/main" val="2689658534"/>
+                    <a16:rowId xmlns="" xmlns:a16="http://schemas.microsoft.com/office/drawing/2014/main" val="2689658534"/>
                   </a:ext>
                 </a:extLst>
               </a:tr>
@@ -27959,7 +27959,7 @@
                 </a:tc>
                 <a:extLst>
                   <a:ext uri="{0D108BD9-81ED-4DB2-BD59-A6C34878D82A}">
-                    <a16:rowId xmlns:a16="http://schemas.microsoft.com/office/drawing/2014/main" val="805584501"/>
+                    <a16:rowId xmlns="" xmlns:a16="http://schemas.microsoft.com/office/drawing/2014/main" val="805584501"/>
                   </a:ext>
                 </a:extLst>
               </a:tr>
@@ -28127,7 +28127,7 @@
                 </a:tc>
                 <a:extLst>
                   <a:ext uri="{0D108BD9-81ED-4DB2-BD59-A6C34878D82A}">
-                    <a16:rowId xmlns:a16="http://schemas.microsoft.com/office/drawing/2014/main" val="450654003"/>
+                    <a16:rowId xmlns="" xmlns:a16="http://schemas.microsoft.com/office/drawing/2014/main" val="450654003"/>
                   </a:ext>
                 </a:extLst>
               </a:tr>
@@ -28295,7 +28295,7 @@
                 </a:tc>
                 <a:extLst>
                   <a:ext uri="{0D108BD9-81ED-4DB2-BD59-A6C34878D82A}">
-                    <a16:rowId xmlns:a16="http://schemas.microsoft.com/office/drawing/2014/main" val="1806206319"/>
+                    <a16:rowId xmlns="" xmlns:a16="http://schemas.microsoft.com/office/drawing/2014/main" val="1806206319"/>
                   </a:ext>
                 </a:extLst>
               </a:tr>
@@ -28463,7 +28463,7 @@
                 </a:tc>
                 <a:extLst>
                   <a:ext uri="{0D108BD9-81ED-4DB2-BD59-A6C34878D82A}">
-                    <a16:rowId xmlns:a16="http://schemas.microsoft.com/office/drawing/2014/main" val="3556397882"/>
+                    <a16:rowId xmlns="" xmlns:a16="http://schemas.microsoft.com/office/drawing/2014/main" val="3556397882"/>
                   </a:ext>
                 </a:extLst>
               </a:tr>
@@ -28559,21 +28559,21 @@
                 <a:gridCol w="2145211">
                   <a:extLst>
                     <a:ext uri="{9D8B030D-6E8A-4147-A177-3AD203B41FA5}">
-                      <a16:colId xmlns:a16="http://schemas.microsoft.com/office/drawing/2014/main" val="2157772263"/>
+                      <a16:colId xmlns="" xmlns:a16="http://schemas.microsoft.com/office/drawing/2014/main" val="2157772263"/>
                     </a:ext>
                   </a:extLst>
                 </a:gridCol>
                 <a:gridCol w="3656633">
                   <a:extLst>
                     <a:ext uri="{9D8B030D-6E8A-4147-A177-3AD203B41FA5}">
-                      <a16:colId xmlns:a16="http://schemas.microsoft.com/office/drawing/2014/main" val="1267885860"/>
+                      <a16:colId xmlns="" xmlns:a16="http://schemas.microsoft.com/office/drawing/2014/main" val="1267885860"/>
                     </a:ext>
                   </a:extLst>
                 </a:gridCol>
                 <a:gridCol w="2900922">
                   <a:extLst>
                     <a:ext uri="{9D8B030D-6E8A-4147-A177-3AD203B41FA5}">
-                      <a16:colId xmlns:a16="http://schemas.microsoft.com/office/drawing/2014/main" val="1979749074"/>
+                      <a16:colId xmlns="" xmlns:a16="http://schemas.microsoft.com/office/drawing/2014/main" val="1979749074"/>
                     </a:ext>
                   </a:extLst>
                 </a:gridCol>
@@ -28743,7 +28743,7 @@
                 </a:tc>
                 <a:extLst>
                   <a:ext uri="{0D108BD9-81ED-4DB2-BD59-A6C34878D82A}">
-                    <a16:rowId xmlns:a16="http://schemas.microsoft.com/office/drawing/2014/main" val="3316551353"/>
+                    <a16:rowId xmlns="" xmlns:a16="http://schemas.microsoft.com/office/drawing/2014/main" val="3316551353"/>
                   </a:ext>
                 </a:extLst>
               </a:tr>
@@ -28919,7 +28919,7 @@
                 </a:tc>
                 <a:extLst>
                   <a:ext uri="{0D108BD9-81ED-4DB2-BD59-A6C34878D82A}">
-                    <a16:rowId xmlns:a16="http://schemas.microsoft.com/office/drawing/2014/main" val="1117863344"/>
+                    <a16:rowId xmlns="" xmlns:a16="http://schemas.microsoft.com/office/drawing/2014/main" val="1117863344"/>
                   </a:ext>
                 </a:extLst>
               </a:tr>
@@ -29087,7 +29087,7 @@
                 </a:tc>
                 <a:extLst>
                   <a:ext uri="{0D108BD9-81ED-4DB2-BD59-A6C34878D82A}">
-                    <a16:rowId xmlns:a16="http://schemas.microsoft.com/office/drawing/2014/main" val="639389263"/>
+                    <a16:rowId xmlns="" xmlns:a16="http://schemas.microsoft.com/office/drawing/2014/main" val="639389263"/>
                   </a:ext>
                 </a:extLst>
               </a:tr>
@@ -29255,7 +29255,7 @@
                 </a:tc>
                 <a:extLst>
                   <a:ext uri="{0D108BD9-81ED-4DB2-BD59-A6C34878D82A}">
-                    <a16:rowId xmlns:a16="http://schemas.microsoft.com/office/drawing/2014/main" val="1805114380"/>
+                    <a16:rowId xmlns="" xmlns:a16="http://schemas.microsoft.com/office/drawing/2014/main" val="1805114380"/>
                   </a:ext>
                 </a:extLst>
               </a:tr>
@@ -29423,7 +29423,7 @@
                 </a:tc>
                 <a:extLst>
                   <a:ext uri="{0D108BD9-81ED-4DB2-BD59-A6C34878D82A}">
-                    <a16:rowId xmlns:a16="http://schemas.microsoft.com/office/drawing/2014/main" val="4186705132"/>
+                    <a16:rowId xmlns="" xmlns:a16="http://schemas.microsoft.com/office/drawing/2014/main" val="4186705132"/>
                   </a:ext>
                 </a:extLst>
               </a:tr>
@@ -29599,7 +29599,7 @@
                 </a:tc>
                 <a:extLst>
                   <a:ext uri="{0D108BD9-81ED-4DB2-BD59-A6C34878D82A}">
-                    <a16:rowId xmlns:a16="http://schemas.microsoft.com/office/drawing/2014/main" val="1480033773"/>
+                    <a16:rowId xmlns="" xmlns:a16="http://schemas.microsoft.com/office/drawing/2014/main" val="1480033773"/>
                   </a:ext>
                 </a:extLst>
               </a:tr>

--- a/2parcial/Plantilla.pptx
+++ b/2parcial/Plantilla.pptx
@@ -318,7 +318,7 @@
           <a:p>
             <a:fld id="{EDC82A51-097F-4864-A4F6-46FECE056A0F}" type="datetimeFigureOut">
               <a:rPr lang="es-MX" smtClean="0"/>
-              <a:t>08/06/2018</a:t>
+              <a:t>21/06/2018</a:t>
             </a:fld>
             <a:endParaRPr lang="es-MX"/>
           </a:p>
@@ -484,7 +484,7 @@
           <a:p>
             <a:fld id="{E63B3BB3-357B-4FB6-ADE2-74838EC5FF5B}" type="datetimeFigureOut">
               <a:rPr lang="es-MX" smtClean="0"/>
-              <a:t>08/06/2018</a:t>
+              <a:t>21/06/2018</a:t>
             </a:fld>
             <a:endParaRPr lang="es-MX"/>
           </a:p>
@@ -6242,7 +6242,7 @@
           <a:p>
             <a:fld id="{78BB2372-2761-44A5-AED3-734D90A1B253}" type="datetime1">
               <a:rPr lang="es-MX" smtClean="0"/>
-              <a:t>08/06/2018</a:t>
+              <a:t>21/06/2018</a:t>
             </a:fld>
             <a:endParaRPr lang="es-MX"/>
           </a:p>
@@ -6569,7 +6569,7 @@
           <a:p>
             <a:fld id="{B9B91C8B-79E6-4FAB-AAA7-803997839D51}" type="datetime1">
               <a:rPr lang="es-MX" smtClean="0"/>
-              <a:t>08/06/2018</a:t>
+              <a:t>21/06/2018</a:t>
             </a:fld>
             <a:endParaRPr lang="es-MX"/>
           </a:p>
@@ -6958,7 +6958,7 @@
           <a:p>
             <a:fld id="{525A6663-3E4E-4BE2-B7C2-3A277D8C1141}" type="datetime1">
               <a:rPr lang="es-MX" smtClean="0"/>
-              <a:t>08/06/2018</a:t>
+              <a:t>21/06/2018</a:t>
             </a:fld>
             <a:endParaRPr lang="es-MX"/>
           </a:p>
@@ -7482,7 +7482,7 @@
           <a:p>
             <a:fld id="{20C663D8-7129-46BF-8062-AF5F0D6B0C91}" type="datetime1">
               <a:rPr lang="es-MX" smtClean="0"/>
-              <a:t>08/06/2018</a:t>
+              <a:t>21/06/2018</a:t>
             </a:fld>
             <a:endParaRPr lang="es-MX"/>
           </a:p>
@@ -7956,7 +7956,7 @@
           <a:p>
             <a:fld id="{A59B6387-BD91-404A-94B0-4B385FB9C007}" type="datetime1">
               <a:rPr lang="es-MX" smtClean="0"/>
-              <a:t>08/06/2018</a:t>
+              <a:t>21/06/2018</a:t>
             </a:fld>
             <a:endParaRPr lang="es-MX"/>
           </a:p>
@@ -8351,7 +8351,7 @@
           <a:p>
             <a:fld id="{423DBE62-F9C6-4A5A-BC68-93E95FD9505D}" type="datetime1">
               <a:rPr lang="es-MX" smtClean="0"/>
-              <a:t>08/06/2018</a:t>
+              <a:t>21/06/2018</a:t>
             </a:fld>
             <a:endParaRPr lang="es-MX"/>
           </a:p>
@@ -8927,7 +8927,7 @@
           <a:p>
             <a:fld id="{A602A375-89B7-4F9D-A448-9546AA8105B1}" type="datetime1">
               <a:rPr lang="es-MX" smtClean="0"/>
-              <a:t>08/06/2018</a:t>
+              <a:t>21/06/2018</a:t>
             </a:fld>
             <a:endParaRPr lang="es-MX"/>
           </a:p>
@@ -9338,7 +9338,7 @@
           <a:p>
             <a:fld id="{5B8F175C-BFB3-412A-AB80-C4D6AE6272F7}" type="datetime1">
               <a:rPr lang="es-MX" smtClean="0"/>
-              <a:t>08/06/2018</a:t>
+              <a:t>21/06/2018</a:t>
             </a:fld>
             <a:endParaRPr lang="es-MX"/>
           </a:p>
@@ -9588,7 +9588,7 @@
             <a:fld id="{78BB2372-2761-44A5-AED3-734D90A1B253}" type="datetime1">
               <a:rPr lang="es-MX" smtClean="0"/>
               <a:pPr/>
-              <a:t>08/06/2018</a:t>
+              <a:t>21/06/2018</a:t>
             </a:fld>
             <a:endParaRPr lang="es-MX"/>
           </a:p>
@@ -9713,7 +9713,7 @@
           <a:p>
             <a:fld id="{4E6F4C02-A620-45D8-940B-97B1E5288140}" type="datetime1">
               <a:rPr lang="es-MX" smtClean="0"/>
-              <a:t>08/06/2018</a:t>
+              <a:t>21/06/2018</a:t>
             </a:fld>
             <a:endParaRPr lang="es-MX"/>
           </a:p>
@@ -10046,7 +10046,7 @@
           <a:p>
             <a:fld id="{71D4A01E-58B7-4E95-B611-CCD75B026A5D}" type="datetime1">
               <a:rPr lang="es-MX" smtClean="0"/>
-              <a:t>08/06/2018</a:t>
+              <a:t>21/06/2018</a:t>
             </a:fld>
             <a:endParaRPr lang="es-MX"/>
           </a:p>
@@ -10482,7 +10482,7 @@
           <a:p>
             <a:fld id="{2F1087C9-DB44-44FD-9E1D-7A9C2507E50D}" type="datetime1">
               <a:rPr lang="es-MX" smtClean="0"/>
-              <a:t>08/06/2018</a:t>
+              <a:t>21/06/2018</a:t>
             </a:fld>
             <a:endParaRPr lang="es-MX"/>
           </a:p>
@@ -10909,7 +10909,7 @@
           <a:p>
             <a:fld id="{86C499C8-E619-40EE-A327-D03ADBE772E0}" type="datetime1">
               <a:rPr lang="es-MX" smtClean="0"/>
-              <a:t>08/06/2018</a:t>
+              <a:t>21/06/2018</a:t>
             </a:fld>
             <a:endParaRPr lang="es-MX"/>
           </a:p>
@@ -11858,14 +11858,14 @@
                 <a:gridCol w="4175760">
                   <a:extLst>
                     <a:ext uri="{9D8B030D-6E8A-4147-A177-3AD203B41FA5}">
-                      <a16:colId xmlns="" xmlns:a16="http://schemas.microsoft.com/office/drawing/2014/main" val="1596070528"/>
+                      <a16:colId xmlns:a16="http://schemas.microsoft.com/office/drawing/2014/main" xmlns="" val="1596070528"/>
                     </a:ext>
                   </a:extLst>
                 </a:gridCol>
                 <a:gridCol w="4175760">
                   <a:extLst>
                     <a:ext uri="{9D8B030D-6E8A-4147-A177-3AD203B41FA5}">
-                      <a16:colId xmlns="" xmlns:a16="http://schemas.microsoft.com/office/drawing/2014/main" val="2641734424"/>
+                      <a16:colId xmlns:a16="http://schemas.microsoft.com/office/drawing/2014/main" xmlns="" val="2641734424"/>
                     </a:ext>
                   </a:extLst>
                 </a:gridCol>
@@ -11903,7 +11903,7 @@
                 </a:tc>
                 <a:extLst>
                   <a:ext uri="{0D108BD9-81ED-4DB2-BD59-A6C34878D82A}">
-                    <a16:rowId xmlns="" xmlns:a16="http://schemas.microsoft.com/office/drawing/2014/main" val="3965714803"/>
+                    <a16:rowId xmlns:a16="http://schemas.microsoft.com/office/drawing/2014/main" xmlns="" val="3965714803"/>
                   </a:ext>
                 </a:extLst>
               </a:tr>
@@ -11952,7 +11952,7 @@
                 </a:tc>
                 <a:extLst>
                   <a:ext uri="{0D108BD9-81ED-4DB2-BD59-A6C34878D82A}">
-                    <a16:rowId xmlns="" xmlns:a16="http://schemas.microsoft.com/office/drawing/2014/main" val="3608420769"/>
+                    <a16:rowId xmlns:a16="http://schemas.microsoft.com/office/drawing/2014/main" xmlns="" val="3608420769"/>
                   </a:ext>
                 </a:extLst>
               </a:tr>
@@ -12041,7 +12041,7 @@
                 </a:tc>
                 <a:extLst>
                   <a:ext uri="{0D108BD9-81ED-4DB2-BD59-A6C34878D82A}">
-                    <a16:rowId xmlns="" xmlns:a16="http://schemas.microsoft.com/office/drawing/2014/main" val="1604709653"/>
+                    <a16:rowId xmlns:a16="http://schemas.microsoft.com/office/drawing/2014/main" xmlns="" val="1604709653"/>
                   </a:ext>
                 </a:extLst>
               </a:tr>
@@ -12068,7 +12068,7 @@
                 </a:tc>
                 <a:extLst>
                   <a:ext uri="{0D108BD9-81ED-4DB2-BD59-A6C34878D82A}">
-                    <a16:rowId xmlns="" xmlns:a16="http://schemas.microsoft.com/office/drawing/2014/main" val="3862893529"/>
+                    <a16:rowId xmlns:a16="http://schemas.microsoft.com/office/drawing/2014/main" xmlns="" val="3862893529"/>
                   </a:ext>
                 </a:extLst>
               </a:tr>
@@ -16193,14 +16193,14 @@
                 <a:gridCol w="1293791">
                   <a:extLst>
                     <a:ext uri="{9D8B030D-6E8A-4147-A177-3AD203B41FA5}">
-                      <a16:colId xmlns="" xmlns:a16="http://schemas.microsoft.com/office/drawing/2014/main" val="20000"/>
+                      <a16:colId xmlns:a16="http://schemas.microsoft.com/office/drawing/2014/main" xmlns="" val="20000"/>
                     </a:ext>
                   </a:extLst>
                 </a:gridCol>
                 <a:gridCol w="1293791">
                   <a:extLst>
                     <a:ext uri="{9D8B030D-6E8A-4147-A177-3AD203B41FA5}">
-                      <a16:colId xmlns="" xmlns:a16="http://schemas.microsoft.com/office/drawing/2014/main" val="20001"/>
+                      <a16:colId xmlns:a16="http://schemas.microsoft.com/office/drawing/2014/main" xmlns="" val="20001"/>
                     </a:ext>
                   </a:extLst>
                 </a:gridCol>
@@ -16240,7 +16240,7 @@
                 </a:tc>
                 <a:extLst>
                   <a:ext uri="{0D108BD9-81ED-4DB2-BD59-A6C34878D82A}">
-                    <a16:rowId xmlns="" xmlns:a16="http://schemas.microsoft.com/office/drawing/2014/main" val="10000"/>
+                    <a16:rowId xmlns:a16="http://schemas.microsoft.com/office/drawing/2014/main" xmlns="" val="10000"/>
                   </a:ext>
                 </a:extLst>
               </a:tr>
@@ -16277,7 +16277,7 @@
                 </a:tc>
                 <a:extLst>
                   <a:ext uri="{0D108BD9-81ED-4DB2-BD59-A6C34878D82A}">
-                    <a16:rowId xmlns="" xmlns:a16="http://schemas.microsoft.com/office/drawing/2014/main" val="10001"/>
+                    <a16:rowId xmlns:a16="http://schemas.microsoft.com/office/drawing/2014/main" xmlns="" val="10001"/>
                   </a:ext>
                 </a:extLst>
               </a:tr>
@@ -16314,7 +16314,7 @@
                 </a:tc>
                 <a:extLst>
                   <a:ext uri="{0D108BD9-81ED-4DB2-BD59-A6C34878D82A}">
-                    <a16:rowId xmlns="" xmlns:a16="http://schemas.microsoft.com/office/drawing/2014/main" val="10002"/>
+                    <a16:rowId xmlns:a16="http://schemas.microsoft.com/office/drawing/2014/main" xmlns="" val="10002"/>
                   </a:ext>
                 </a:extLst>
               </a:tr>
@@ -16462,21 +16462,21 @@
                 <a:gridCol w="2380575">
                   <a:extLst>
                     <a:ext uri="{9D8B030D-6E8A-4147-A177-3AD203B41FA5}">
-                      <a16:colId xmlns="" xmlns:a16="http://schemas.microsoft.com/office/drawing/2014/main" val="20000"/>
+                      <a16:colId xmlns:a16="http://schemas.microsoft.com/office/drawing/2014/main" xmlns="" val="20000"/>
                     </a:ext>
                   </a:extLst>
                 </a:gridCol>
                 <a:gridCol w="2380575">
                   <a:extLst>
                     <a:ext uri="{9D8B030D-6E8A-4147-A177-3AD203B41FA5}">
-                      <a16:colId xmlns="" xmlns:a16="http://schemas.microsoft.com/office/drawing/2014/main" val="20001"/>
+                      <a16:colId xmlns:a16="http://schemas.microsoft.com/office/drawing/2014/main" xmlns="" val="20001"/>
                     </a:ext>
                   </a:extLst>
                 </a:gridCol>
                 <a:gridCol w="2380575">
                   <a:extLst>
                     <a:ext uri="{9D8B030D-6E8A-4147-A177-3AD203B41FA5}">
-                      <a16:colId xmlns="" xmlns:a16="http://schemas.microsoft.com/office/drawing/2014/main" val="20002"/>
+                      <a16:colId xmlns:a16="http://schemas.microsoft.com/office/drawing/2014/main" xmlns="" val="20002"/>
                     </a:ext>
                   </a:extLst>
                 </a:gridCol>
@@ -16559,7 +16559,7 @@
                 </a:tc>
                 <a:extLst>
                   <a:ext uri="{0D108BD9-81ED-4DB2-BD59-A6C34878D82A}">
-                    <a16:rowId xmlns="" xmlns:a16="http://schemas.microsoft.com/office/drawing/2014/main" val="10000"/>
+                    <a16:rowId xmlns:a16="http://schemas.microsoft.com/office/drawing/2014/main" xmlns="" val="10000"/>
                   </a:ext>
                 </a:extLst>
               </a:tr>
@@ -16641,7 +16641,7 @@
                 </a:tc>
                 <a:extLst>
                   <a:ext uri="{0D108BD9-81ED-4DB2-BD59-A6C34878D82A}">
-                    <a16:rowId xmlns="" xmlns:a16="http://schemas.microsoft.com/office/drawing/2014/main" val="10001"/>
+                    <a16:rowId xmlns:a16="http://schemas.microsoft.com/office/drawing/2014/main" xmlns="" val="10001"/>
                   </a:ext>
                 </a:extLst>
               </a:tr>
@@ -16723,7 +16723,7 @@
                 </a:tc>
                 <a:extLst>
                   <a:ext uri="{0D108BD9-81ED-4DB2-BD59-A6C34878D82A}">
-                    <a16:rowId xmlns="" xmlns:a16="http://schemas.microsoft.com/office/drawing/2014/main" val="10002"/>
+                    <a16:rowId xmlns:a16="http://schemas.microsoft.com/office/drawing/2014/main" xmlns="" val="10002"/>
                   </a:ext>
                 </a:extLst>
               </a:tr>
@@ -16805,7 +16805,7 @@
                 </a:tc>
                 <a:extLst>
                   <a:ext uri="{0D108BD9-81ED-4DB2-BD59-A6C34878D82A}">
-                    <a16:rowId xmlns="" xmlns:a16="http://schemas.microsoft.com/office/drawing/2014/main" val="10003"/>
+                    <a16:rowId xmlns:a16="http://schemas.microsoft.com/office/drawing/2014/main" xmlns="" val="10003"/>
                   </a:ext>
                 </a:extLst>
               </a:tr>
@@ -16887,7 +16887,7 @@
                 </a:tc>
                 <a:extLst>
                   <a:ext uri="{0D108BD9-81ED-4DB2-BD59-A6C34878D82A}">
-                    <a16:rowId xmlns="" xmlns:a16="http://schemas.microsoft.com/office/drawing/2014/main" val="10004"/>
+                    <a16:rowId xmlns:a16="http://schemas.microsoft.com/office/drawing/2014/main" xmlns="" val="10004"/>
                   </a:ext>
                 </a:extLst>
               </a:tr>
@@ -17008,21 +17008,21 @@
                 <a:gridCol w="2401156">
                   <a:extLst>
                     <a:ext uri="{9D8B030D-6E8A-4147-A177-3AD203B41FA5}">
-                      <a16:colId xmlns="" xmlns:a16="http://schemas.microsoft.com/office/drawing/2014/main" val="20000"/>
+                      <a16:colId xmlns:a16="http://schemas.microsoft.com/office/drawing/2014/main" xmlns="" val="20000"/>
                     </a:ext>
                   </a:extLst>
                 </a:gridCol>
                 <a:gridCol w="2401156">
                   <a:extLst>
                     <a:ext uri="{9D8B030D-6E8A-4147-A177-3AD203B41FA5}">
-                      <a16:colId xmlns="" xmlns:a16="http://schemas.microsoft.com/office/drawing/2014/main" val="20001"/>
+                      <a16:colId xmlns:a16="http://schemas.microsoft.com/office/drawing/2014/main" xmlns="" val="20001"/>
                     </a:ext>
                   </a:extLst>
                 </a:gridCol>
                 <a:gridCol w="2401156">
                   <a:extLst>
                     <a:ext uri="{9D8B030D-6E8A-4147-A177-3AD203B41FA5}">
-                      <a16:colId xmlns="" xmlns:a16="http://schemas.microsoft.com/office/drawing/2014/main" val="20002"/>
+                      <a16:colId xmlns:a16="http://schemas.microsoft.com/office/drawing/2014/main" xmlns="" val="20002"/>
                     </a:ext>
                   </a:extLst>
                 </a:gridCol>
@@ -17078,7 +17078,7 @@
                 </a:tc>
                 <a:extLst>
                   <a:ext uri="{0D108BD9-81ED-4DB2-BD59-A6C34878D82A}">
-                    <a16:rowId xmlns="" xmlns:a16="http://schemas.microsoft.com/office/drawing/2014/main" val="10000"/>
+                    <a16:rowId xmlns:a16="http://schemas.microsoft.com/office/drawing/2014/main" xmlns="" val="10000"/>
                   </a:ext>
                 </a:extLst>
               </a:tr>
@@ -17130,7 +17130,7 @@
                 </a:tc>
                 <a:extLst>
                   <a:ext uri="{0D108BD9-81ED-4DB2-BD59-A6C34878D82A}">
-                    <a16:rowId xmlns="" xmlns:a16="http://schemas.microsoft.com/office/drawing/2014/main" val="10001"/>
+                    <a16:rowId xmlns:a16="http://schemas.microsoft.com/office/drawing/2014/main" xmlns="" val="10001"/>
                   </a:ext>
                 </a:extLst>
               </a:tr>
@@ -17182,7 +17182,7 @@
                 </a:tc>
                 <a:extLst>
                   <a:ext uri="{0D108BD9-81ED-4DB2-BD59-A6C34878D82A}">
-                    <a16:rowId xmlns="" xmlns:a16="http://schemas.microsoft.com/office/drawing/2014/main" val="10002"/>
+                    <a16:rowId xmlns:a16="http://schemas.microsoft.com/office/drawing/2014/main" xmlns="" val="10002"/>
                   </a:ext>
                 </a:extLst>
               </a:tr>
@@ -17234,7 +17234,7 @@
                 </a:tc>
                 <a:extLst>
                   <a:ext uri="{0D108BD9-81ED-4DB2-BD59-A6C34878D82A}">
-                    <a16:rowId xmlns="" xmlns:a16="http://schemas.microsoft.com/office/drawing/2014/main" val="10003"/>
+                    <a16:rowId xmlns:a16="http://schemas.microsoft.com/office/drawing/2014/main" xmlns="" val="10003"/>
                   </a:ext>
                 </a:extLst>
               </a:tr>
@@ -17286,7 +17286,7 @@
                 </a:tc>
                 <a:extLst>
                   <a:ext uri="{0D108BD9-81ED-4DB2-BD59-A6C34878D82A}">
-                    <a16:rowId xmlns="" xmlns:a16="http://schemas.microsoft.com/office/drawing/2014/main" val="10004"/>
+                    <a16:rowId xmlns:a16="http://schemas.microsoft.com/office/drawing/2014/main" xmlns="" val="10004"/>
                   </a:ext>
                 </a:extLst>
               </a:tr>
@@ -24782,21 +24782,21 @@
                 <a:gridCol w="1727200">
                   <a:extLst>
                     <a:ext uri="{9D8B030D-6E8A-4147-A177-3AD203B41FA5}">
-                      <a16:colId xmlns="" xmlns:a16="http://schemas.microsoft.com/office/drawing/2014/main" val="358809226"/>
+                      <a16:colId xmlns:a16="http://schemas.microsoft.com/office/drawing/2014/main" xmlns="" val="358809226"/>
                     </a:ext>
                   </a:extLst>
                 </a:gridCol>
                 <a:gridCol w="3683726">
                   <a:extLst>
                     <a:ext uri="{9D8B030D-6E8A-4147-A177-3AD203B41FA5}">
-                      <a16:colId xmlns="" xmlns:a16="http://schemas.microsoft.com/office/drawing/2014/main" val="297456553"/>
+                      <a16:colId xmlns:a16="http://schemas.microsoft.com/office/drawing/2014/main" xmlns="" val="297456553"/>
                     </a:ext>
                   </a:extLst>
                 </a:gridCol>
                 <a:gridCol w="3555273">
                   <a:extLst>
                     <a:ext uri="{9D8B030D-6E8A-4147-A177-3AD203B41FA5}">
-                      <a16:colId xmlns="" xmlns:a16="http://schemas.microsoft.com/office/drawing/2014/main" val="1164694110"/>
+                      <a16:colId xmlns:a16="http://schemas.microsoft.com/office/drawing/2014/main" xmlns="" val="1164694110"/>
                     </a:ext>
                   </a:extLst>
                 </a:gridCol>
@@ -24966,7 +24966,7 @@
                 </a:tc>
                 <a:extLst>
                   <a:ext uri="{0D108BD9-81ED-4DB2-BD59-A6C34878D82A}">
-                    <a16:rowId xmlns="" xmlns:a16="http://schemas.microsoft.com/office/drawing/2014/main" val="1422047462"/>
+                    <a16:rowId xmlns:a16="http://schemas.microsoft.com/office/drawing/2014/main" xmlns="" val="1422047462"/>
                   </a:ext>
                 </a:extLst>
               </a:tr>
@@ -25134,7 +25134,7 @@
                 </a:tc>
                 <a:extLst>
                   <a:ext uri="{0D108BD9-81ED-4DB2-BD59-A6C34878D82A}">
-                    <a16:rowId xmlns="" xmlns:a16="http://schemas.microsoft.com/office/drawing/2014/main" val="1025029199"/>
+                    <a16:rowId xmlns:a16="http://schemas.microsoft.com/office/drawing/2014/main" xmlns="" val="1025029199"/>
                   </a:ext>
                 </a:extLst>
               </a:tr>
@@ -25302,7 +25302,7 @@
                 </a:tc>
                 <a:extLst>
                   <a:ext uri="{0D108BD9-81ED-4DB2-BD59-A6C34878D82A}">
-                    <a16:rowId xmlns="" xmlns:a16="http://schemas.microsoft.com/office/drawing/2014/main" val="3630539612"/>
+                    <a16:rowId xmlns:a16="http://schemas.microsoft.com/office/drawing/2014/main" xmlns="" val="3630539612"/>
                   </a:ext>
                 </a:extLst>
               </a:tr>
@@ -25470,7 +25470,7 @@
                 </a:tc>
                 <a:extLst>
                   <a:ext uri="{0D108BD9-81ED-4DB2-BD59-A6C34878D82A}">
-                    <a16:rowId xmlns="" xmlns:a16="http://schemas.microsoft.com/office/drawing/2014/main" val="167998149"/>
+                    <a16:rowId xmlns:a16="http://schemas.microsoft.com/office/drawing/2014/main" xmlns="" val="167998149"/>
                   </a:ext>
                 </a:extLst>
               </a:tr>
@@ -25638,7 +25638,7 @@
                 </a:tc>
                 <a:extLst>
                   <a:ext uri="{0D108BD9-81ED-4DB2-BD59-A6C34878D82A}">
-                    <a16:rowId xmlns="" xmlns:a16="http://schemas.microsoft.com/office/drawing/2014/main" val="3409953350"/>
+                    <a16:rowId xmlns:a16="http://schemas.microsoft.com/office/drawing/2014/main" xmlns="" val="3409953350"/>
                   </a:ext>
                 </a:extLst>
               </a:tr>
@@ -25961,21 +25961,21 @@
                 <a:gridCol w="2164924">
                   <a:extLst>
                     <a:ext uri="{9D8B030D-6E8A-4147-A177-3AD203B41FA5}">
-                      <a16:colId xmlns="" xmlns:a16="http://schemas.microsoft.com/office/drawing/2014/main" val="3922543209"/>
+                      <a16:colId xmlns:a16="http://schemas.microsoft.com/office/drawing/2014/main" xmlns="" val="3922543209"/>
                     </a:ext>
                   </a:extLst>
                 </a:gridCol>
                 <a:gridCol w="3216997">
                   <a:extLst>
                     <a:ext uri="{9D8B030D-6E8A-4147-A177-3AD203B41FA5}">
-                      <a16:colId xmlns="" xmlns:a16="http://schemas.microsoft.com/office/drawing/2014/main" val="858933005"/>
+                      <a16:colId xmlns:a16="http://schemas.microsoft.com/office/drawing/2014/main" xmlns="" val="858933005"/>
                     </a:ext>
                   </a:extLst>
                 </a:gridCol>
                 <a:gridCol w="3438409">
                   <a:extLst>
                     <a:ext uri="{9D8B030D-6E8A-4147-A177-3AD203B41FA5}">
-                      <a16:colId xmlns="" xmlns:a16="http://schemas.microsoft.com/office/drawing/2014/main" val="1965635707"/>
+                      <a16:colId xmlns:a16="http://schemas.microsoft.com/office/drawing/2014/main" xmlns="" val="1965635707"/>
                     </a:ext>
                   </a:extLst>
                 </a:gridCol>
@@ -26145,7 +26145,7 @@
                 </a:tc>
                 <a:extLst>
                   <a:ext uri="{0D108BD9-81ED-4DB2-BD59-A6C34878D82A}">
-                    <a16:rowId xmlns="" xmlns:a16="http://schemas.microsoft.com/office/drawing/2014/main" val="1163032766"/>
+                    <a16:rowId xmlns:a16="http://schemas.microsoft.com/office/drawing/2014/main" xmlns="" val="1163032766"/>
                   </a:ext>
                 </a:extLst>
               </a:tr>
@@ -26321,7 +26321,7 @@
                 </a:tc>
                 <a:extLst>
                   <a:ext uri="{0D108BD9-81ED-4DB2-BD59-A6C34878D82A}">
-                    <a16:rowId xmlns="" xmlns:a16="http://schemas.microsoft.com/office/drawing/2014/main" val="51063936"/>
+                    <a16:rowId xmlns:a16="http://schemas.microsoft.com/office/drawing/2014/main" xmlns="" val="51063936"/>
                   </a:ext>
                 </a:extLst>
               </a:tr>
@@ -26489,7 +26489,7 @@
                 </a:tc>
                 <a:extLst>
                   <a:ext uri="{0D108BD9-81ED-4DB2-BD59-A6C34878D82A}">
-                    <a16:rowId xmlns="" xmlns:a16="http://schemas.microsoft.com/office/drawing/2014/main" val="2183499688"/>
+                    <a16:rowId xmlns:a16="http://schemas.microsoft.com/office/drawing/2014/main" xmlns="" val="2183499688"/>
                   </a:ext>
                 </a:extLst>
               </a:tr>
@@ -26657,7 +26657,7 @@
                 </a:tc>
                 <a:extLst>
                   <a:ext uri="{0D108BD9-81ED-4DB2-BD59-A6C34878D82A}">
-                    <a16:rowId xmlns="" xmlns:a16="http://schemas.microsoft.com/office/drawing/2014/main" val="2855653339"/>
+                    <a16:rowId xmlns:a16="http://schemas.microsoft.com/office/drawing/2014/main" xmlns="" val="2855653339"/>
                   </a:ext>
                 </a:extLst>
               </a:tr>
@@ -26833,7 +26833,7 @@
                 </a:tc>
                 <a:extLst>
                   <a:ext uri="{0D108BD9-81ED-4DB2-BD59-A6C34878D82A}">
-                    <a16:rowId xmlns="" xmlns:a16="http://schemas.microsoft.com/office/drawing/2014/main" val="503806477"/>
+                    <a16:rowId xmlns:a16="http://schemas.microsoft.com/office/drawing/2014/main" xmlns="" val="503806477"/>
                   </a:ext>
                 </a:extLst>
               </a:tr>
@@ -27263,21 +27263,21 @@
                 <a:gridCol w="2197463">
                   <a:extLst>
                     <a:ext uri="{9D8B030D-6E8A-4147-A177-3AD203B41FA5}">
-                      <a16:colId xmlns="" xmlns:a16="http://schemas.microsoft.com/office/drawing/2014/main" val="2157772263"/>
+                      <a16:colId xmlns:a16="http://schemas.microsoft.com/office/drawing/2014/main" xmlns="" val="2157772263"/>
                     </a:ext>
                   </a:extLst>
                 </a:gridCol>
                 <a:gridCol w="3604381">
                   <a:extLst>
                     <a:ext uri="{9D8B030D-6E8A-4147-A177-3AD203B41FA5}">
-                      <a16:colId xmlns="" xmlns:a16="http://schemas.microsoft.com/office/drawing/2014/main" val="1267885860"/>
+                      <a16:colId xmlns:a16="http://schemas.microsoft.com/office/drawing/2014/main" xmlns="" val="1267885860"/>
                     </a:ext>
                   </a:extLst>
                 </a:gridCol>
                 <a:gridCol w="2900922">
                   <a:extLst>
                     <a:ext uri="{9D8B030D-6E8A-4147-A177-3AD203B41FA5}">
-                      <a16:colId xmlns="" xmlns:a16="http://schemas.microsoft.com/office/drawing/2014/main" val="1979749074"/>
+                      <a16:colId xmlns:a16="http://schemas.microsoft.com/office/drawing/2014/main" xmlns="" val="1979749074"/>
                     </a:ext>
                   </a:extLst>
                 </a:gridCol>
@@ -27447,7 +27447,7 @@
                 </a:tc>
                 <a:extLst>
                   <a:ext uri="{0D108BD9-81ED-4DB2-BD59-A6C34878D82A}">
-                    <a16:rowId xmlns="" xmlns:a16="http://schemas.microsoft.com/office/drawing/2014/main" val="3316551353"/>
+                    <a16:rowId xmlns:a16="http://schemas.microsoft.com/office/drawing/2014/main" xmlns="" val="3316551353"/>
                   </a:ext>
                 </a:extLst>
               </a:tr>
@@ -27623,7 +27623,7 @@
                 </a:tc>
                 <a:extLst>
                   <a:ext uri="{0D108BD9-81ED-4DB2-BD59-A6C34878D82A}">
-                    <a16:rowId xmlns="" xmlns:a16="http://schemas.microsoft.com/office/drawing/2014/main" val="1633316216"/>
+                    <a16:rowId xmlns:a16="http://schemas.microsoft.com/office/drawing/2014/main" xmlns="" val="1633316216"/>
                   </a:ext>
                 </a:extLst>
               </a:tr>
@@ -27791,7 +27791,7 @@
                 </a:tc>
                 <a:extLst>
                   <a:ext uri="{0D108BD9-81ED-4DB2-BD59-A6C34878D82A}">
-                    <a16:rowId xmlns="" xmlns:a16="http://schemas.microsoft.com/office/drawing/2014/main" val="2689658534"/>
+                    <a16:rowId xmlns:a16="http://schemas.microsoft.com/office/drawing/2014/main" xmlns="" val="2689658534"/>
                   </a:ext>
                 </a:extLst>
               </a:tr>
@@ -27959,7 +27959,7 @@
                 </a:tc>
                 <a:extLst>
                   <a:ext uri="{0D108BD9-81ED-4DB2-BD59-A6C34878D82A}">
-                    <a16:rowId xmlns="" xmlns:a16="http://schemas.microsoft.com/office/drawing/2014/main" val="805584501"/>
+                    <a16:rowId xmlns:a16="http://schemas.microsoft.com/office/drawing/2014/main" xmlns="" val="805584501"/>
                   </a:ext>
                 </a:extLst>
               </a:tr>
@@ -28127,7 +28127,7 @@
                 </a:tc>
                 <a:extLst>
                   <a:ext uri="{0D108BD9-81ED-4DB2-BD59-A6C34878D82A}">
-                    <a16:rowId xmlns="" xmlns:a16="http://schemas.microsoft.com/office/drawing/2014/main" val="450654003"/>
+                    <a16:rowId xmlns:a16="http://schemas.microsoft.com/office/drawing/2014/main" xmlns="" val="450654003"/>
                   </a:ext>
                 </a:extLst>
               </a:tr>
@@ -28295,7 +28295,7 @@
                 </a:tc>
                 <a:extLst>
                   <a:ext uri="{0D108BD9-81ED-4DB2-BD59-A6C34878D82A}">
-                    <a16:rowId xmlns="" xmlns:a16="http://schemas.microsoft.com/office/drawing/2014/main" val="1806206319"/>
+                    <a16:rowId xmlns:a16="http://schemas.microsoft.com/office/drawing/2014/main" xmlns="" val="1806206319"/>
                   </a:ext>
                 </a:extLst>
               </a:tr>
@@ -28463,7 +28463,7 @@
                 </a:tc>
                 <a:extLst>
                   <a:ext uri="{0D108BD9-81ED-4DB2-BD59-A6C34878D82A}">
-                    <a16:rowId xmlns="" xmlns:a16="http://schemas.microsoft.com/office/drawing/2014/main" val="3556397882"/>
+                    <a16:rowId xmlns:a16="http://schemas.microsoft.com/office/drawing/2014/main" xmlns="" val="3556397882"/>
                   </a:ext>
                 </a:extLst>
               </a:tr>
@@ -28559,21 +28559,21 @@
                 <a:gridCol w="2145211">
                   <a:extLst>
                     <a:ext uri="{9D8B030D-6E8A-4147-A177-3AD203B41FA5}">
-                      <a16:colId xmlns="" xmlns:a16="http://schemas.microsoft.com/office/drawing/2014/main" val="2157772263"/>
+                      <a16:colId xmlns:a16="http://schemas.microsoft.com/office/drawing/2014/main" xmlns="" val="2157772263"/>
                     </a:ext>
                   </a:extLst>
                 </a:gridCol>
                 <a:gridCol w="3656633">
                   <a:extLst>
                     <a:ext uri="{9D8B030D-6E8A-4147-A177-3AD203B41FA5}">
-                      <a16:colId xmlns="" xmlns:a16="http://schemas.microsoft.com/office/drawing/2014/main" val="1267885860"/>
+                      <a16:colId xmlns:a16="http://schemas.microsoft.com/office/drawing/2014/main" xmlns="" val="1267885860"/>
                     </a:ext>
                   </a:extLst>
                 </a:gridCol>
                 <a:gridCol w="2900922">
                   <a:extLst>
                     <a:ext uri="{9D8B030D-6E8A-4147-A177-3AD203B41FA5}">
-                      <a16:colId xmlns="" xmlns:a16="http://schemas.microsoft.com/office/drawing/2014/main" val="1979749074"/>
+                      <a16:colId xmlns:a16="http://schemas.microsoft.com/office/drawing/2014/main" xmlns="" val="1979749074"/>
                     </a:ext>
                   </a:extLst>
                 </a:gridCol>
@@ -28743,7 +28743,7 @@
                 </a:tc>
                 <a:extLst>
                   <a:ext uri="{0D108BD9-81ED-4DB2-BD59-A6C34878D82A}">
-                    <a16:rowId xmlns="" xmlns:a16="http://schemas.microsoft.com/office/drawing/2014/main" val="3316551353"/>
+                    <a16:rowId xmlns:a16="http://schemas.microsoft.com/office/drawing/2014/main" xmlns="" val="3316551353"/>
                   </a:ext>
                 </a:extLst>
               </a:tr>
@@ -28919,7 +28919,7 @@
                 </a:tc>
                 <a:extLst>
                   <a:ext uri="{0D108BD9-81ED-4DB2-BD59-A6C34878D82A}">
-                    <a16:rowId xmlns="" xmlns:a16="http://schemas.microsoft.com/office/drawing/2014/main" val="1117863344"/>
+                    <a16:rowId xmlns:a16="http://schemas.microsoft.com/office/drawing/2014/main" xmlns="" val="1117863344"/>
                   </a:ext>
                 </a:extLst>
               </a:tr>
@@ -29087,7 +29087,7 @@
                 </a:tc>
                 <a:extLst>
                   <a:ext uri="{0D108BD9-81ED-4DB2-BD59-A6C34878D82A}">
-                    <a16:rowId xmlns="" xmlns:a16="http://schemas.microsoft.com/office/drawing/2014/main" val="639389263"/>
+                    <a16:rowId xmlns:a16="http://schemas.microsoft.com/office/drawing/2014/main" xmlns="" val="639389263"/>
                   </a:ext>
                 </a:extLst>
               </a:tr>
@@ -29255,7 +29255,7 @@
                 </a:tc>
                 <a:extLst>
                   <a:ext uri="{0D108BD9-81ED-4DB2-BD59-A6C34878D82A}">
-                    <a16:rowId xmlns="" xmlns:a16="http://schemas.microsoft.com/office/drawing/2014/main" val="1805114380"/>
+                    <a16:rowId xmlns:a16="http://schemas.microsoft.com/office/drawing/2014/main" xmlns="" val="1805114380"/>
                   </a:ext>
                 </a:extLst>
               </a:tr>
@@ -29423,7 +29423,7 @@
                 </a:tc>
                 <a:extLst>
                   <a:ext uri="{0D108BD9-81ED-4DB2-BD59-A6C34878D82A}">
-                    <a16:rowId xmlns="" xmlns:a16="http://schemas.microsoft.com/office/drawing/2014/main" val="4186705132"/>
+                    <a16:rowId xmlns:a16="http://schemas.microsoft.com/office/drawing/2014/main" xmlns="" val="4186705132"/>
                   </a:ext>
                 </a:extLst>
               </a:tr>
@@ -29599,7 +29599,7 @@
                 </a:tc>
                 <a:extLst>
                   <a:ext uri="{0D108BD9-81ED-4DB2-BD59-A6C34878D82A}">
-                    <a16:rowId xmlns="" xmlns:a16="http://schemas.microsoft.com/office/drawing/2014/main" val="1480033773"/>
+                    <a16:rowId xmlns:a16="http://schemas.microsoft.com/office/drawing/2014/main" xmlns="" val="1480033773"/>
                   </a:ext>
                 </a:extLst>
               </a:tr>
@@ -38482,6 +38482,36 @@
             <a:r>
               <a:rPr lang="es-MX" smtClean="0"/>
               <a:t>var parrafos = document.getElementsByTagName("p");</a:t>
+            </a:r>
+            <a:endParaRPr lang="es-MX" dirty="0"/>
+          </a:p>
+        </p:txBody>
+      </p:sp>
+      <p:sp>
+        <p:nvSpPr>
+          <p:cNvPr id="4" name="CuadroTexto 3"/>
+          <p:cNvSpPr txBox="1"/>
+          <p:nvPr/>
+        </p:nvSpPr>
+        <p:spPr>
+          <a:xfrm>
+            <a:off x="8502556" y="5472668"/>
+            <a:ext cx="1357808" cy="369332"/>
+          </a:xfrm>
+          <a:prstGeom prst="rect">
+            <a:avLst/>
+          </a:prstGeom>
+          <a:noFill/>
+        </p:spPr>
+        <p:txBody>
+          <a:bodyPr wrap="none" rtlCol="0">
+            <a:spAutoFit/>
+          </a:bodyPr>
+          <a:lstStyle/>
+          <a:p>
+            <a:r>
+              <a:rPr lang="es-MX" dirty="0" smtClean="0"/>
+              <a:t>EJEMPLO H1</a:t>
             </a:r>
             <a:endParaRPr lang="es-MX" dirty="0"/>
           </a:p>

--- a/2parcial/Plantilla.pptx
+++ b/2parcial/Plantilla.pptx
@@ -318,7 +318,7 @@
           <a:p>
             <a:fld id="{EDC82A51-097F-4864-A4F6-46FECE056A0F}" type="datetimeFigureOut">
               <a:rPr lang="es-MX" smtClean="0"/>
-              <a:t>21/06/2018</a:t>
+              <a:t>22/06/2018</a:t>
             </a:fld>
             <a:endParaRPr lang="es-MX"/>
           </a:p>
@@ -484,7 +484,7 @@
           <a:p>
             <a:fld id="{E63B3BB3-357B-4FB6-ADE2-74838EC5FF5B}" type="datetimeFigureOut">
               <a:rPr lang="es-MX" smtClean="0"/>
-              <a:t>21/06/2018</a:t>
+              <a:t>22/06/2018</a:t>
             </a:fld>
             <a:endParaRPr lang="es-MX"/>
           </a:p>
@@ -6242,7 +6242,7 @@
           <a:p>
             <a:fld id="{78BB2372-2761-44A5-AED3-734D90A1B253}" type="datetime1">
               <a:rPr lang="es-MX" smtClean="0"/>
-              <a:t>21/06/2018</a:t>
+              <a:t>22/06/2018</a:t>
             </a:fld>
             <a:endParaRPr lang="es-MX"/>
           </a:p>
@@ -6569,7 +6569,7 @@
           <a:p>
             <a:fld id="{B9B91C8B-79E6-4FAB-AAA7-803997839D51}" type="datetime1">
               <a:rPr lang="es-MX" smtClean="0"/>
-              <a:t>21/06/2018</a:t>
+              <a:t>22/06/2018</a:t>
             </a:fld>
             <a:endParaRPr lang="es-MX"/>
           </a:p>
@@ -6958,7 +6958,7 @@
           <a:p>
             <a:fld id="{525A6663-3E4E-4BE2-B7C2-3A277D8C1141}" type="datetime1">
               <a:rPr lang="es-MX" smtClean="0"/>
-              <a:t>21/06/2018</a:t>
+              <a:t>22/06/2018</a:t>
             </a:fld>
             <a:endParaRPr lang="es-MX"/>
           </a:p>
@@ -7482,7 +7482,7 @@
           <a:p>
             <a:fld id="{20C663D8-7129-46BF-8062-AF5F0D6B0C91}" type="datetime1">
               <a:rPr lang="es-MX" smtClean="0"/>
-              <a:t>21/06/2018</a:t>
+              <a:t>22/06/2018</a:t>
             </a:fld>
             <a:endParaRPr lang="es-MX"/>
           </a:p>
@@ -7956,7 +7956,7 @@
           <a:p>
             <a:fld id="{A59B6387-BD91-404A-94B0-4B385FB9C007}" type="datetime1">
               <a:rPr lang="es-MX" smtClean="0"/>
-              <a:t>21/06/2018</a:t>
+              <a:t>22/06/2018</a:t>
             </a:fld>
             <a:endParaRPr lang="es-MX"/>
           </a:p>
@@ -8351,7 +8351,7 @@
           <a:p>
             <a:fld id="{423DBE62-F9C6-4A5A-BC68-93E95FD9505D}" type="datetime1">
               <a:rPr lang="es-MX" smtClean="0"/>
-              <a:t>21/06/2018</a:t>
+              <a:t>22/06/2018</a:t>
             </a:fld>
             <a:endParaRPr lang="es-MX"/>
           </a:p>
@@ -8927,7 +8927,7 @@
           <a:p>
             <a:fld id="{A602A375-89B7-4F9D-A448-9546AA8105B1}" type="datetime1">
               <a:rPr lang="es-MX" smtClean="0"/>
-              <a:t>21/06/2018</a:t>
+              <a:t>22/06/2018</a:t>
             </a:fld>
             <a:endParaRPr lang="es-MX"/>
           </a:p>
@@ -9338,7 +9338,7 @@
           <a:p>
             <a:fld id="{5B8F175C-BFB3-412A-AB80-C4D6AE6272F7}" type="datetime1">
               <a:rPr lang="es-MX" smtClean="0"/>
-              <a:t>21/06/2018</a:t>
+              <a:t>22/06/2018</a:t>
             </a:fld>
             <a:endParaRPr lang="es-MX"/>
           </a:p>
@@ -9588,7 +9588,7 @@
             <a:fld id="{78BB2372-2761-44A5-AED3-734D90A1B253}" type="datetime1">
               <a:rPr lang="es-MX" smtClean="0"/>
               <a:pPr/>
-              <a:t>21/06/2018</a:t>
+              <a:t>22/06/2018</a:t>
             </a:fld>
             <a:endParaRPr lang="es-MX"/>
           </a:p>
@@ -9713,7 +9713,7 @@
           <a:p>
             <a:fld id="{4E6F4C02-A620-45D8-940B-97B1E5288140}" type="datetime1">
               <a:rPr lang="es-MX" smtClean="0"/>
-              <a:t>21/06/2018</a:t>
+              <a:t>22/06/2018</a:t>
             </a:fld>
             <a:endParaRPr lang="es-MX"/>
           </a:p>
@@ -10046,7 +10046,7 @@
           <a:p>
             <a:fld id="{71D4A01E-58B7-4E95-B611-CCD75B026A5D}" type="datetime1">
               <a:rPr lang="es-MX" smtClean="0"/>
-              <a:t>21/06/2018</a:t>
+              <a:t>22/06/2018</a:t>
             </a:fld>
             <a:endParaRPr lang="es-MX"/>
           </a:p>
@@ -10482,7 +10482,7 @@
           <a:p>
             <a:fld id="{2F1087C9-DB44-44FD-9E1D-7A9C2507E50D}" type="datetime1">
               <a:rPr lang="es-MX" smtClean="0"/>
-              <a:t>21/06/2018</a:t>
+              <a:t>22/06/2018</a:t>
             </a:fld>
             <a:endParaRPr lang="es-MX"/>
           </a:p>
@@ -10909,7 +10909,7 @@
           <a:p>
             <a:fld id="{86C499C8-E619-40EE-A327-D03ADBE772E0}" type="datetime1">
               <a:rPr lang="es-MX" smtClean="0"/>
-              <a:t>21/06/2018</a:t>
+              <a:t>22/06/2018</a:t>
             </a:fld>
             <a:endParaRPr lang="es-MX"/>
           </a:p>
@@ -11372,7 +11372,7 @@
               <a:t> en </a:t>
             </a:r>
             <a:r>
-              <a:rPr lang="es-CO" smtClean="0"/>
+              <a:rPr lang="es-CO" dirty="0" err="1" smtClean="0"/>
               <a:t>Javascript</a:t>
             </a:r>
             <a:endParaRPr lang="es-CO" dirty="0"/>
@@ -11858,14 +11858,14 @@
                 <a:gridCol w="4175760">
                   <a:extLst>
                     <a:ext uri="{9D8B030D-6E8A-4147-A177-3AD203B41FA5}">
-                      <a16:colId xmlns:a16="http://schemas.microsoft.com/office/drawing/2014/main" xmlns="" val="1596070528"/>
+                      <a16:colId xmlns="" xmlns:a16="http://schemas.microsoft.com/office/drawing/2014/main" val="1596070528"/>
                     </a:ext>
                   </a:extLst>
                 </a:gridCol>
                 <a:gridCol w="4175760">
                   <a:extLst>
                     <a:ext uri="{9D8B030D-6E8A-4147-A177-3AD203B41FA5}">
-                      <a16:colId xmlns:a16="http://schemas.microsoft.com/office/drawing/2014/main" xmlns="" val="2641734424"/>
+                      <a16:colId xmlns="" xmlns:a16="http://schemas.microsoft.com/office/drawing/2014/main" val="2641734424"/>
                     </a:ext>
                   </a:extLst>
                 </a:gridCol>
@@ -11903,7 +11903,7 @@
                 </a:tc>
                 <a:extLst>
                   <a:ext uri="{0D108BD9-81ED-4DB2-BD59-A6C34878D82A}">
-                    <a16:rowId xmlns:a16="http://schemas.microsoft.com/office/drawing/2014/main" xmlns="" val="3965714803"/>
+                    <a16:rowId xmlns="" xmlns:a16="http://schemas.microsoft.com/office/drawing/2014/main" val="3965714803"/>
                   </a:ext>
                 </a:extLst>
               </a:tr>
@@ -11952,7 +11952,7 @@
                 </a:tc>
                 <a:extLst>
                   <a:ext uri="{0D108BD9-81ED-4DB2-BD59-A6C34878D82A}">
-                    <a16:rowId xmlns:a16="http://schemas.microsoft.com/office/drawing/2014/main" xmlns="" val="3608420769"/>
+                    <a16:rowId xmlns="" xmlns:a16="http://schemas.microsoft.com/office/drawing/2014/main" val="3608420769"/>
                   </a:ext>
                 </a:extLst>
               </a:tr>
@@ -12041,7 +12041,7 @@
                 </a:tc>
                 <a:extLst>
                   <a:ext uri="{0D108BD9-81ED-4DB2-BD59-A6C34878D82A}">
-                    <a16:rowId xmlns:a16="http://schemas.microsoft.com/office/drawing/2014/main" xmlns="" val="1604709653"/>
+                    <a16:rowId xmlns="" xmlns:a16="http://schemas.microsoft.com/office/drawing/2014/main" val="1604709653"/>
                   </a:ext>
                 </a:extLst>
               </a:tr>
@@ -12068,7 +12068,7 @@
                 </a:tc>
                 <a:extLst>
                   <a:ext uri="{0D108BD9-81ED-4DB2-BD59-A6C34878D82A}">
-                    <a16:rowId xmlns:a16="http://schemas.microsoft.com/office/drawing/2014/main" xmlns="" val="3862893529"/>
+                    <a16:rowId xmlns="" xmlns:a16="http://schemas.microsoft.com/office/drawing/2014/main" val="3862893529"/>
                   </a:ext>
                 </a:extLst>
               </a:tr>
@@ -16193,14 +16193,14 @@
                 <a:gridCol w="1293791">
                   <a:extLst>
                     <a:ext uri="{9D8B030D-6E8A-4147-A177-3AD203B41FA5}">
-                      <a16:colId xmlns:a16="http://schemas.microsoft.com/office/drawing/2014/main" xmlns="" val="20000"/>
+                      <a16:colId xmlns="" xmlns:a16="http://schemas.microsoft.com/office/drawing/2014/main" val="20000"/>
                     </a:ext>
                   </a:extLst>
                 </a:gridCol>
                 <a:gridCol w="1293791">
                   <a:extLst>
                     <a:ext uri="{9D8B030D-6E8A-4147-A177-3AD203B41FA5}">
-                      <a16:colId xmlns:a16="http://schemas.microsoft.com/office/drawing/2014/main" xmlns="" val="20001"/>
+                      <a16:colId xmlns="" xmlns:a16="http://schemas.microsoft.com/office/drawing/2014/main" val="20001"/>
                     </a:ext>
                   </a:extLst>
                 </a:gridCol>
@@ -16240,7 +16240,7 @@
                 </a:tc>
                 <a:extLst>
                   <a:ext uri="{0D108BD9-81ED-4DB2-BD59-A6C34878D82A}">
-                    <a16:rowId xmlns:a16="http://schemas.microsoft.com/office/drawing/2014/main" xmlns="" val="10000"/>
+                    <a16:rowId xmlns="" xmlns:a16="http://schemas.microsoft.com/office/drawing/2014/main" val="10000"/>
                   </a:ext>
                 </a:extLst>
               </a:tr>
@@ -16277,7 +16277,7 @@
                 </a:tc>
                 <a:extLst>
                   <a:ext uri="{0D108BD9-81ED-4DB2-BD59-A6C34878D82A}">
-                    <a16:rowId xmlns:a16="http://schemas.microsoft.com/office/drawing/2014/main" xmlns="" val="10001"/>
+                    <a16:rowId xmlns="" xmlns:a16="http://schemas.microsoft.com/office/drawing/2014/main" val="10001"/>
                   </a:ext>
                 </a:extLst>
               </a:tr>
@@ -16314,7 +16314,7 @@
                 </a:tc>
                 <a:extLst>
                   <a:ext uri="{0D108BD9-81ED-4DB2-BD59-A6C34878D82A}">
-                    <a16:rowId xmlns:a16="http://schemas.microsoft.com/office/drawing/2014/main" xmlns="" val="10002"/>
+                    <a16:rowId xmlns="" xmlns:a16="http://schemas.microsoft.com/office/drawing/2014/main" val="10002"/>
                   </a:ext>
                 </a:extLst>
               </a:tr>
@@ -16462,21 +16462,21 @@
                 <a:gridCol w="2380575">
                   <a:extLst>
                     <a:ext uri="{9D8B030D-6E8A-4147-A177-3AD203B41FA5}">
-                      <a16:colId xmlns:a16="http://schemas.microsoft.com/office/drawing/2014/main" xmlns="" val="20000"/>
+                      <a16:colId xmlns="" xmlns:a16="http://schemas.microsoft.com/office/drawing/2014/main" val="20000"/>
                     </a:ext>
                   </a:extLst>
                 </a:gridCol>
                 <a:gridCol w="2380575">
                   <a:extLst>
                     <a:ext uri="{9D8B030D-6E8A-4147-A177-3AD203B41FA5}">
-                      <a16:colId xmlns:a16="http://schemas.microsoft.com/office/drawing/2014/main" xmlns="" val="20001"/>
+                      <a16:colId xmlns="" xmlns:a16="http://schemas.microsoft.com/office/drawing/2014/main" val="20001"/>
                     </a:ext>
                   </a:extLst>
                 </a:gridCol>
                 <a:gridCol w="2380575">
                   <a:extLst>
                     <a:ext uri="{9D8B030D-6E8A-4147-A177-3AD203B41FA5}">
-                      <a16:colId xmlns:a16="http://schemas.microsoft.com/office/drawing/2014/main" xmlns="" val="20002"/>
+                      <a16:colId xmlns="" xmlns:a16="http://schemas.microsoft.com/office/drawing/2014/main" val="20002"/>
                     </a:ext>
                   </a:extLst>
                 </a:gridCol>
@@ -16559,7 +16559,7 @@
                 </a:tc>
                 <a:extLst>
                   <a:ext uri="{0D108BD9-81ED-4DB2-BD59-A6C34878D82A}">
-                    <a16:rowId xmlns:a16="http://schemas.microsoft.com/office/drawing/2014/main" xmlns="" val="10000"/>
+                    <a16:rowId xmlns="" xmlns:a16="http://schemas.microsoft.com/office/drawing/2014/main" val="10000"/>
                   </a:ext>
                 </a:extLst>
               </a:tr>
@@ -16641,7 +16641,7 @@
                 </a:tc>
                 <a:extLst>
                   <a:ext uri="{0D108BD9-81ED-4DB2-BD59-A6C34878D82A}">
-                    <a16:rowId xmlns:a16="http://schemas.microsoft.com/office/drawing/2014/main" xmlns="" val="10001"/>
+                    <a16:rowId xmlns="" xmlns:a16="http://schemas.microsoft.com/office/drawing/2014/main" val="10001"/>
                   </a:ext>
                 </a:extLst>
               </a:tr>
@@ -16723,7 +16723,7 @@
                 </a:tc>
                 <a:extLst>
                   <a:ext uri="{0D108BD9-81ED-4DB2-BD59-A6C34878D82A}">
-                    <a16:rowId xmlns:a16="http://schemas.microsoft.com/office/drawing/2014/main" xmlns="" val="10002"/>
+                    <a16:rowId xmlns="" xmlns:a16="http://schemas.microsoft.com/office/drawing/2014/main" val="10002"/>
                   </a:ext>
                 </a:extLst>
               </a:tr>
@@ -16805,7 +16805,7 @@
                 </a:tc>
                 <a:extLst>
                   <a:ext uri="{0D108BD9-81ED-4DB2-BD59-A6C34878D82A}">
-                    <a16:rowId xmlns:a16="http://schemas.microsoft.com/office/drawing/2014/main" xmlns="" val="10003"/>
+                    <a16:rowId xmlns="" xmlns:a16="http://schemas.microsoft.com/office/drawing/2014/main" val="10003"/>
                   </a:ext>
                 </a:extLst>
               </a:tr>
@@ -16887,7 +16887,7 @@
                 </a:tc>
                 <a:extLst>
                   <a:ext uri="{0D108BD9-81ED-4DB2-BD59-A6C34878D82A}">
-                    <a16:rowId xmlns:a16="http://schemas.microsoft.com/office/drawing/2014/main" xmlns="" val="10004"/>
+                    <a16:rowId xmlns="" xmlns:a16="http://schemas.microsoft.com/office/drawing/2014/main" val="10004"/>
                   </a:ext>
                 </a:extLst>
               </a:tr>
@@ -17008,21 +17008,21 @@
                 <a:gridCol w="2401156">
                   <a:extLst>
                     <a:ext uri="{9D8B030D-6E8A-4147-A177-3AD203B41FA5}">
-                      <a16:colId xmlns:a16="http://schemas.microsoft.com/office/drawing/2014/main" xmlns="" val="20000"/>
+                      <a16:colId xmlns="" xmlns:a16="http://schemas.microsoft.com/office/drawing/2014/main" val="20000"/>
                     </a:ext>
                   </a:extLst>
                 </a:gridCol>
                 <a:gridCol w="2401156">
                   <a:extLst>
                     <a:ext uri="{9D8B030D-6E8A-4147-A177-3AD203B41FA5}">
-                      <a16:colId xmlns:a16="http://schemas.microsoft.com/office/drawing/2014/main" xmlns="" val="20001"/>
+                      <a16:colId xmlns="" xmlns:a16="http://schemas.microsoft.com/office/drawing/2014/main" val="20001"/>
                     </a:ext>
                   </a:extLst>
                 </a:gridCol>
                 <a:gridCol w="2401156">
                   <a:extLst>
                     <a:ext uri="{9D8B030D-6E8A-4147-A177-3AD203B41FA5}">
-                      <a16:colId xmlns:a16="http://schemas.microsoft.com/office/drawing/2014/main" xmlns="" val="20002"/>
+                      <a16:colId xmlns="" xmlns:a16="http://schemas.microsoft.com/office/drawing/2014/main" val="20002"/>
                     </a:ext>
                   </a:extLst>
                 </a:gridCol>
@@ -17078,7 +17078,7 @@
                 </a:tc>
                 <a:extLst>
                   <a:ext uri="{0D108BD9-81ED-4DB2-BD59-A6C34878D82A}">
-                    <a16:rowId xmlns:a16="http://schemas.microsoft.com/office/drawing/2014/main" xmlns="" val="10000"/>
+                    <a16:rowId xmlns="" xmlns:a16="http://schemas.microsoft.com/office/drawing/2014/main" val="10000"/>
                   </a:ext>
                 </a:extLst>
               </a:tr>
@@ -17130,7 +17130,7 @@
                 </a:tc>
                 <a:extLst>
                   <a:ext uri="{0D108BD9-81ED-4DB2-BD59-A6C34878D82A}">
-                    <a16:rowId xmlns:a16="http://schemas.microsoft.com/office/drawing/2014/main" xmlns="" val="10001"/>
+                    <a16:rowId xmlns="" xmlns:a16="http://schemas.microsoft.com/office/drawing/2014/main" val="10001"/>
                   </a:ext>
                 </a:extLst>
               </a:tr>
@@ -17182,7 +17182,7 @@
                 </a:tc>
                 <a:extLst>
                   <a:ext uri="{0D108BD9-81ED-4DB2-BD59-A6C34878D82A}">
-                    <a16:rowId xmlns:a16="http://schemas.microsoft.com/office/drawing/2014/main" xmlns="" val="10002"/>
+                    <a16:rowId xmlns="" xmlns:a16="http://schemas.microsoft.com/office/drawing/2014/main" val="10002"/>
                   </a:ext>
                 </a:extLst>
               </a:tr>
@@ -17234,7 +17234,7 @@
                 </a:tc>
                 <a:extLst>
                   <a:ext uri="{0D108BD9-81ED-4DB2-BD59-A6C34878D82A}">
-                    <a16:rowId xmlns:a16="http://schemas.microsoft.com/office/drawing/2014/main" xmlns="" val="10003"/>
+                    <a16:rowId xmlns="" xmlns:a16="http://schemas.microsoft.com/office/drawing/2014/main" val="10003"/>
                   </a:ext>
                 </a:extLst>
               </a:tr>
@@ -17286,7 +17286,7 @@
                 </a:tc>
                 <a:extLst>
                   <a:ext uri="{0D108BD9-81ED-4DB2-BD59-A6C34878D82A}">
-                    <a16:rowId xmlns:a16="http://schemas.microsoft.com/office/drawing/2014/main" xmlns="" val="10004"/>
+                    <a16:rowId xmlns="" xmlns:a16="http://schemas.microsoft.com/office/drawing/2014/main" val="10004"/>
                   </a:ext>
                 </a:extLst>
               </a:tr>
@@ -24782,21 +24782,21 @@
                 <a:gridCol w="1727200">
                   <a:extLst>
                     <a:ext uri="{9D8B030D-6E8A-4147-A177-3AD203B41FA5}">
-                      <a16:colId xmlns:a16="http://schemas.microsoft.com/office/drawing/2014/main" xmlns="" val="358809226"/>
+                      <a16:colId xmlns="" xmlns:a16="http://schemas.microsoft.com/office/drawing/2014/main" val="358809226"/>
                     </a:ext>
                   </a:extLst>
                 </a:gridCol>
                 <a:gridCol w="3683726">
                   <a:extLst>
                     <a:ext uri="{9D8B030D-6E8A-4147-A177-3AD203B41FA5}">
-                      <a16:colId xmlns:a16="http://schemas.microsoft.com/office/drawing/2014/main" xmlns="" val="297456553"/>
+                      <a16:colId xmlns="" xmlns:a16="http://schemas.microsoft.com/office/drawing/2014/main" val="297456553"/>
                     </a:ext>
                   </a:extLst>
                 </a:gridCol>
                 <a:gridCol w="3555273">
                   <a:extLst>
                     <a:ext uri="{9D8B030D-6E8A-4147-A177-3AD203B41FA5}">
-                      <a16:colId xmlns:a16="http://schemas.microsoft.com/office/drawing/2014/main" xmlns="" val="1164694110"/>
+                      <a16:colId xmlns="" xmlns:a16="http://schemas.microsoft.com/office/drawing/2014/main" val="1164694110"/>
                     </a:ext>
                   </a:extLst>
                 </a:gridCol>
@@ -24966,7 +24966,7 @@
                 </a:tc>
                 <a:extLst>
                   <a:ext uri="{0D108BD9-81ED-4DB2-BD59-A6C34878D82A}">
-                    <a16:rowId xmlns:a16="http://schemas.microsoft.com/office/drawing/2014/main" xmlns="" val="1422047462"/>
+                    <a16:rowId xmlns="" xmlns:a16="http://schemas.microsoft.com/office/drawing/2014/main" val="1422047462"/>
                   </a:ext>
                 </a:extLst>
               </a:tr>
@@ -25134,7 +25134,7 @@
                 </a:tc>
                 <a:extLst>
                   <a:ext uri="{0D108BD9-81ED-4DB2-BD59-A6C34878D82A}">
-                    <a16:rowId xmlns:a16="http://schemas.microsoft.com/office/drawing/2014/main" xmlns="" val="1025029199"/>
+                    <a16:rowId xmlns="" xmlns:a16="http://schemas.microsoft.com/office/drawing/2014/main" val="1025029199"/>
                   </a:ext>
                 </a:extLst>
               </a:tr>
@@ -25302,7 +25302,7 @@
                 </a:tc>
                 <a:extLst>
                   <a:ext uri="{0D108BD9-81ED-4DB2-BD59-A6C34878D82A}">
-                    <a16:rowId xmlns:a16="http://schemas.microsoft.com/office/drawing/2014/main" xmlns="" val="3630539612"/>
+                    <a16:rowId xmlns="" xmlns:a16="http://schemas.microsoft.com/office/drawing/2014/main" val="3630539612"/>
                   </a:ext>
                 </a:extLst>
               </a:tr>
@@ -25470,7 +25470,7 @@
                 </a:tc>
                 <a:extLst>
                   <a:ext uri="{0D108BD9-81ED-4DB2-BD59-A6C34878D82A}">
-                    <a16:rowId xmlns:a16="http://schemas.microsoft.com/office/drawing/2014/main" xmlns="" val="167998149"/>
+                    <a16:rowId xmlns="" xmlns:a16="http://schemas.microsoft.com/office/drawing/2014/main" val="167998149"/>
                   </a:ext>
                 </a:extLst>
               </a:tr>
@@ -25638,7 +25638,7 @@
                 </a:tc>
                 <a:extLst>
                   <a:ext uri="{0D108BD9-81ED-4DB2-BD59-A6C34878D82A}">
-                    <a16:rowId xmlns:a16="http://schemas.microsoft.com/office/drawing/2014/main" xmlns="" val="3409953350"/>
+                    <a16:rowId xmlns="" xmlns:a16="http://schemas.microsoft.com/office/drawing/2014/main" val="3409953350"/>
                   </a:ext>
                 </a:extLst>
               </a:tr>
@@ -25961,21 +25961,21 @@
                 <a:gridCol w="2164924">
                   <a:extLst>
                     <a:ext uri="{9D8B030D-6E8A-4147-A177-3AD203B41FA5}">
-                      <a16:colId xmlns:a16="http://schemas.microsoft.com/office/drawing/2014/main" xmlns="" val="3922543209"/>
+                      <a16:colId xmlns="" xmlns:a16="http://schemas.microsoft.com/office/drawing/2014/main" val="3922543209"/>
                     </a:ext>
                   </a:extLst>
                 </a:gridCol>
                 <a:gridCol w="3216997">
                   <a:extLst>
                     <a:ext uri="{9D8B030D-6E8A-4147-A177-3AD203B41FA5}">
-                      <a16:colId xmlns:a16="http://schemas.microsoft.com/office/drawing/2014/main" xmlns="" val="858933005"/>
+                      <a16:colId xmlns="" xmlns:a16="http://schemas.microsoft.com/office/drawing/2014/main" val="858933005"/>
                     </a:ext>
                   </a:extLst>
                 </a:gridCol>
                 <a:gridCol w="3438409">
                   <a:extLst>
                     <a:ext uri="{9D8B030D-6E8A-4147-A177-3AD203B41FA5}">
-                      <a16:colId xmlns:a16="http://schemas.microsoft.com/office/drawing/2014/main" xmlns="" val="1965635707"/>
+                      <a16:colId xmlns="" xmlns:a16="http://schemas.microsoft.com/office/drawing/2014/main" val="1965635707"/>
                     </a:ext>
                   </a:extLst>
                 </a:gridCol>
@@ -26145,7 +26145,7 @@
                 </a:tc>
                 <a:extLst>
                   <a:ext uri="{0D108BD9-81ED-4DB2-BD59-A6C34878D82A}">
-                    <a16:rowId xmlns:a16="http://schemas.microsoft.com/office/drawing/2014/main" xmlns="" val="1163032766"/>
+                    <a16:rowId xmlns="" xmlns:a16="http://schemas.microsoft.com/office/drawing/2014/main" val="1163032766"/>
                   </a:ext>
                 </a:extLst>
               </a:tr>
@@ -26321,7 +26321,7 @@
                 </a:tc>
                 <a:extLst>
                   <a:ext uri="{0D108BD9-81ED-4DB2-BD59-A6C34878D82A}">
-                    <a16:rowId xmlns:a16="http://schemas.microsoft.com/office/drawing/2014/main" xmlns="" val="51063936"/>
+                    <a16:rowId xmlns="" xmlns:a16="http://schemas.microsoft.com/office/drawing/2014/main" val="51063936"/>
                   </a:ext>
                 </a:extLst>
               </a:tr>
@@ -26489,7 +26489,7 @@
                 </a:tc>
                 <a:extLst>
                   <a:ext uri="{0D108BD9-81ED-4DB2-BD59-A6C34878D82A}">
-                    <a16:rowId xmlns:a16="http://schemas.microsoft.com/office/drawing/2014/main" xmlns="" val="2183499688"/>
+                    <a16:rowId xmlns="" xmlns:a16="http://schemas.microsoft.com/office/drawing/2014/main" val="2183499688"/>
                   </a:ext>
                 </a:extLst>
               </a:tr>
@@ -26657,7 +26657,7 @@
                 </a:tc>
                 <a:extLst>
                   <a:ext uri="{0D108BD9-81ED-4DB2-BD59-A6C34878D82A}">
-                    <a16:rowId xmlns:a16="http://schemas.microsoft.com/office/drawing/2014/main" xmlns="" val="2855653339"/>
+                    <a16:rowId xmlns="" xmlns:a16="http://schemas.microsoft.com/office/drawing/2014/main" val="2855653339"/>
                   </a:ext>
                 </a:extLst>
               </a:tr>
@@ -26833,7 +26833,7 @@
                 </a:tc>
                 <a:extLst>
                   <a:ext uri="{0D108BD9-81ED-4DB2-BD59-A6C34878D82A}">
-                    <a16:rowId xmlns:a16="http://schemas.microsoft.com/office/drawing/2014/main" xmlns="" val="503806477"/>
+                    <a16:rowId xmlns="" xmlns:a16="http://schemas.microsoft.com/office/drawing/2014/main" val="503806477"/>
                   </a:ext>
                 </a:extLst>
               </a:tr>
@@ -27263,21 +27263,21 @@
                 <a:gridCol w="2197463">
                   <a:extLst>
                     <a:ext uri="{9D8B030D-6E8A-4147-A177-3AD203B41FA5}">
-                      <a16:colId xmlns:a16="http://schemas.microsoft.com/office/drawing/2014/main" xmlns="" val="2157772263"/>
+                      <a16:colId xmlns="" xmlns:a16="http://schemas.microsoft.com/office/drawing/2014/main" val="2157772263"/>
                     </a:ext>
                   </a:extLst>
                 </a:gridCol>
                 <a:gridCol w="3604381">
                   <a:extLst>
                     <a:ext uri="{9D8B030D-6E8A-4147-A177-3AD203B41FA5}">
-                      <a16:colId xmlns:a16="http://schemas.microsoft.com/office/drawing/2014/main" xmlns="" val="1267885860"/>
+                      <a16:colId xmlns="" xmlns:a16="http://schemas.microsoft.com/office/drawing/2014/main" val="1267885860"/>
                     </a:ext>
                   </a:extLst>
                 </a:gridCol>
                 <a:gridCol w="2900922">
                   <a:extLst>
                     <a:ext uri="{9D8B030D-6E8A-4147-A177-3AD203B41FA5}">
-                      <a16:colId xmlns:a16="http://schemas.microsoft.com/office/drawing/2014/main" xmlns="" val="1979749074"/>
+                      <a16:colId xmlns="" xmlns:a16="http://schemas.microsoft.com/office/drawing/2014/main" val="1979749074"/>
                     </a:ext>
                   </a:extLst>
                 </a:gridCol>
@@ -27447,7 +27447,7 @@
                 </a:tc>
                 <a:extLst>
                   <a:ext uri="{0D108BD9-81ED-4DB2-BD59-A6C34878D82A}">
-                    <a16:rowId xmlns:a16="http://schemas.microsoft.com/office/drawing/2014/main" xmlns="" val="3316551353"/>
+                    <a16:rowId xmlns="" xmlns:a16="http://schemas.microsoft.com/office/drawing/2014/main" val="3316551353"/>
                   </a:ext>
                 </a:extLst>
               </a:tr>
@@ -27623,7 +27623,7 @@
                 </a:tc>
                 <a:extLst>
                   <a:ext uri="{0D108BD9-81ED-4DB2-BD59-A6C34878D82A}">
-                    <a16:rowId xmlns:a16="http://schemas.microsoft.com/office/drawing/2014/main" xmlns="" val="1633316216"/>
+                    <a16:rowId xmlns="" xmlns:a16="http://schemas.microsoft.com/office/drawing/2014/main" val="1633316216"/>
                   </a:ext>
                 </a:extLst>
               </a:tr>
@@ -27791,7 +27791,7 @@
                 </a:tc>
                 <a:extLst>
                   <a:ext uri="{0D108BD9-81ED-4DB2-BD59-A6C34878D82A}">
-                    <a16:rowId xmlns:a16="http://schemas.microsoft.com/office/drawing/2014/main" xmlns="" val="2689658534"/>
+                    <a16:rowId xmlns="" xmlns:a16="http://schemas.microsoft.com/office/drawing/2014/main" val="2689658534"/>
                   </a:ext>
                 </a:extLst>
               </a:tr>
@@ -27959,7 +27959,7 @@
                 </a:tc>
                 <a:extLst>
                   <a:ext uri="{0D108BD9-81ED-4DB2-BD59-A6C34878D82A}">
-                    <a16:rowId xmlns:a16="http://schemas.microsoft.com/office/drawing/2014/main" xmlns="" val="805584501"/>
+                    <a16:rowId xmlns="" xmlns:a16="http://schemas.microsoft.com/office/drawing/2014/main" val="805584501"/>
                   </a:ext>
                 </a:extLst>
               </a:tr>
@@ -28127,7 +28127,7 @@
                 </a:tc>
                 <a:extLst>
                   <a:ext uri="{0D108BD9-81ED-4DB2-BD59-A6C34878D82A}">
-                    <a16:rowId xmlns:a16="http://schemas.microsoft.com/office/drawing/2014/main" xmlns="" val="450654003"/>
+                    <a16:rowId xmlns="" xmlns:a16="http://schemas.microsoft.com/office/drawing/2014/main" val="450654003"/>
                   </a:ext>
                 </a:extLst>
               </a:tr>
@@ -28295,7 +28295,7 @@
                 </a:tc>
                 <a:extLst>
                   <a:ext uri="{0D108BD9-81ED-4DB2-BD59-A6C34878D82A}">
-                    <a16:rowId xmlns:a16="http://schemas.microsoft.com/office/drawing/2014/main" xmlns="" val="1806206319"/>
+                    <a16:rowId xmlns="" xmlns:a16="http://schemas.microsoft.com/office/drawing/2014/main" val="1806206319"/>
                   </a:ext>
                 </a:extLst>
               </a:tr>
@@ -28463,7 +28463,7 @@
                 </a:tc>
                 <a:extLst>
                   <a:ext uri="{0D108BD9-81ED-4DB2-BD59-A6C34878D82A}">
-                    <a16:rowId xmlns:a16="http://schemas.microsoft.com/office/drawing/2014/main" xmlns="" val="3556397882"/>
+                    <a16:rowId xmlns="" xmlns:a16="http://schemas.microsoft.com/office/drawing/2014/main" val="3556397882"/>
                   </a:ext>
                 </a:extLst>
               </a:tr>
@@ -28559,21 +28559,21 @@
                 <a:gridCol w="2145211">
                   <a:extLst>
                     <a:ext uri="{9D8B030D-6E8A-4147-A177-3AD203B41FA5}">
-                      <a16:colId xmlns:a16="http://schemas.microsoft.com/office/drawing/2014/main" xmlns="" val="2157772263"/>
+                      <a16:colId xmlns="" xmlns:a16="http://schemas.microsoft.com/office/drawing/2014/main" val="2157772263"/>
                     </a:ext>
                   </a:extLst>
                 </a:gridCol>
                 <a:gridCol w="3656633">
                   <a:extLst>
                     <a:ext uri="{9D8B030D-6E8A-4147-A177-3AD203B41FA5}">
-                      <a16:colId xmlns:a16="http://schemas.microsoft.com/office/drawing/2014/main" xmlns="" val="1267885860"/>
+                      <a16:colId xmlns="" xmlns:a16="http://schemas.microsoft.com/office/drawing/2014/main" val="1267885860"/>
                     </a:ext>
                   </a:extLst>
                 </a:gridCol>
                 <a:gridCol w="2900922">
                   <a:extLst>
                     <a:ext uri="{9D8B030D-6E8A-4147-A177-3AD203B41FA5}">
-                      <a16:colId xmlns:a16="http://schemas.microsoft.com/office/drawing/2014/main" xmlns="" val="1979749074"/>
+                      <a16:colId xmlns="" xmlns:a16="http://schemas.microsoft.com/office/drawing/2014/main" val="1979749074"/>
                     </a:ext>
                   </a:extLst>
                 </a:gridCol>
@@ -28743,7 +28743,7 @@
                 </a:tc>
                 <a:extLst>
                   <a:ext uri="{0D108BD9-81ED-4DB2-BD59-A6C34878D82A}">
-                    <a16:rowId xmlns:a16="http://schemas.microsoft.com/office/drawing/2014/main" xmlns="" val="3316551353"/>
+                    <a16:rowId xmlns="" xmlns:a16="http://schemas.microsoft.com/office/drawing/2014/main" val="3316551353"/>
                   </a:ext>
                 </a:extLst>
               </a:tr>
@@ -28919,7 +28919,7 @@
                 </a:tc>
                 <a:extLst>
                   <a:ext uri="{0D108BD9-81ED-4DB2-BD59-A6C34878D82A}">
-                    <a16:rowId xmlns:a16="http://schemas.microsoft.com/office/drawing/2014/main" xmlns="" val="1117863344"/>
+                    <a16:rowId xmlns="" xmlns:a16="http://schemas.microsoft.com/office/drawing/2014/main" val="1117863344"/>
                   </a:ext>
                 </a:extLst>
               </a:tr>
@@ -29087,7 +29087,7 @@
                 </a:tc>
                 <a:extLst>
                   <a:ext uri="{0D108BD9-81ED-4DB2-BD59-A6C34878D82A}">
-                    <a16:rowId xmlns:a16="http://schemas.microsoft.com/office/drawing/2014/main" xmlns="" val="639389263"/>
+                    <a16:rowId xmlns="" xmlns:a16="http://schemas.microsoft.com/office/drawing/2014/main" val="639389263"/>
                   </a:ext>
                 </a:extLst>
               </a:tr>
@@ -29255,7 +29255,7 @@
                 </a:tc>
                 <a:extLst>
                   <a:ext uri="{0D108BD9-81ED-4DB2-BD59-A6C34878D82A}">
-                    <a16:rowId xmlns:a16="http://schemas.microsoft.com/office/drawing/2014/main" xmlns="" val="1805114380"/>
+                    <a16:rowId xmlns="" xmlns:a16="http://schemas.microsoft.com/office/drawing/2014/main" val="1805114380"/>
                   </a:ext>
                 </a:extLst>
               </a:tr>
@@ -29423,7 +29423,7 @@
                 </a:tc>
                 <a:extLst>
                   <a:ext uri="{0D108BD9-81ED-4DB2-BD59-A6C34878D82A}">
-                    <a16:rowId xmlns:a16="http://schemas.microsoft.com/office/drawing/2014/main" xmlns="" val="4186705132"/>
+                    <a16:rowId xmlns="" xmlns:a16="http://schemas.microsoft.com/office/drawing/2014/main" val="4186705132"/>
                   </a:ext>
                 </a:extLst>
               </a:tr>
@@ -29599,7 +29599,7 @@
                 </a:tc>
                 <a:extLst>
                   <a:ext uri="{0D108BD9-81ED-4DB2-BD59-A6C34878D82A}">
-                    <a16:rowId xmlns:a16="http://schemas.microsoft.com/office/drawing/2014/main" xmlns="" val="1480033773"/>
+                    <a16:rowId xmlns="" xmlns:a16="http://schemas.microsoft.com/office/drawing/2014/main" val="1480033773"/>
                   </a:ext>
                 </a:extLst>
               </a:tr>
@@ -34647,7 +34647,7 @@
         </p:blipFill>
         <p:spPr>
           <a:xfrm>
-            <a:off x="2565400" y="1346201"/>
+            <a:off x="436349" y="1423987"/>
             <a:ext cx="8077200" cy="4819650"/>
           </a:xfrm>
           <a:prstGeom prst="rect">

--- a/2parcial/Plantilla.pptx
+++ b/2parcial/Plantilla.pptx
@@ -318,7 +318,7 @@
           <a:p>
             <a:fld id="{EDC82A51-097F-4864-A4F6-46FECE056A0F}" type="datetimeFigureOut">
               <a:rPr lang="es-MX" smtClean="0"/>
-              <a:t>22/06/2018</a:t>
+              <a:t>06/07/2018</a:t>
             </a:fld>
             <a:endParaRPr lang="es-MX"/>
           </a:p>
@@ -484,7 +484,7 @@
           <a:p>
             <a:fld id="{E63B3BB3-357B-4FB6-ADE2-74838EC5FF5B}" type="datetimeFigureOut">
               <a:rPr lang="es-MX" smtClean="0"/>
-              <a:t>22/06/2018</a:t>
+              <a:t>06/07/2018</a:t>
             </a:fld>
             <a:endParaRPr lang="es-MX"/>
           </a:p>
@@ -6242,7 +6242,7 @@
           <a:p>
             <a:fld id="{78BB2372-2761-44A5-AED3-734D90A1B253}" type="datetime1">
               <a:rPr lang="es-MX" smtClean="0"/>
-              <a:t>22/06/2018</a:t>
+              <a:t>06/07/2018</a:t>
             </a:fld>
             <a:endParaRPr lang="es-MX"/>
           </a:p>
@@ -6569,7 +6569,7 @@
           <a:p>
             <a:fld id="{B9B91C8B-79E6-4FAB-AAA7-803997839D51}" type="datetime1">
               <a:rPr lang="es-MX" smtClean="0"/>
-              <a:t>22/06/2018</a:t>
+              <a:t>06/07/2018</a:t>
             </a:fld>
             <a:endParaRPr lang="es-MX"/>
           </a:p>
@@ -6958,7 +6958,7 @@
           <a:p>
             <a:fld id="{525A6663-3E4E-4BE2-B7C2-3A277D8C1141}" type="datetime1">
               <a:rPr lang="es-MX" smtClean="0"/>
-              <a:t>22/06/2018</a:t>
+              <a:t>06/07/2018</a:t>
             </a:fld>
             <a:endParaRPr lang="es-MX"/>
           </a:p>
@@ -7482,7 +7482,7 @@
           <a:p>
             <a:fld id="{20C663D8-7129-46BF-8062-AF5F0D6B0C91}" type="datetime1">
               <a:rPr lang="es-MX" smtClean="0"/>
-              <a:t>22/06/2018</a:t>
+              <a:t>06/07/2018</a:t>
             </a:fld>
             <a:endParaRPr lang="es-MX"/>
           </a:p>
@@ -7956,7 +7956,7 @@
           <a:p>
             <a:fld id="{A59B6387-BD91-404A-94B0-4B385FB9C007}" type="datetime1">
               <a:rPr lang="es-MX" smtClean="0"/>
-              <a:t>22/06/2018</a:t>
+              <a:t>06/07/2018</a:t>
             </a:fld>
             <a:endParaRPr lang="es-MX"/>
           </a:p>
@@ -8351,7 +8351,7 @@
           <a:p>
             <a:fld id="{423DBE62-F9C6-4A5A-BC68-93E95FD9505D}" type="datetime1">
               <a:rPr lang="es-MX" smtClean="0"/>
-              <a:t>22/06/2018</a:t>
+              <a:t>06/07/2018</a:t>
             </a:fld>
             <a:endParaRPr lang="es-MX"/>
           </a:p>
@@ -8927,7 +8927,7 @@
           <a:p>
             <a:fld id="{A602A375-89B7-4F9D-A448-9546AA8105B1}" type="datetime1">
               <a:rPr lang="es-MX" smtClean="0"/>
-              <a:t>22/06/2018</a:t>
+              <a:t>06/07/2018</a:t>
             </a:fld>
             <a:endParaRPr lang="es-MX"/>
           </a:p>
@@ -9338,7 +9338,7 @@
           <a:p>
             <a:fld id="{5B8F175C-BFB3-412A-AB80-C4D6AE6272F7}" type="datetime1">
               <a:rPr lang="es-MX" smtClean="0"/>
-              <a:t>22/06/2018</a:t>
+              <a:t>06/07/2018</a:t>
             </a:fld>
             <a:endParaRPr lang="es-MX"/>
           </a:p>
@@ -9588,7 +9588,7 @@
             <a:fld id="{78BB2372-2761-44A5-AED3-734D90A1B253}" type="datetime1">
               <a:rPr lang="es-MX" smtClean="0"/>
               <a:pPr/>
-              <a:t>22/06/2018</a:t>
+              <a:t>06/07/2018</a:t>
             </a:fld>
             <a:endParaRPr lang="es-MX"/>
           </a:p>
@@ -9713,7 +9713,7 @@
           <a:p>
             <a:fld id="{4E6F4C02-A620-45D8-940B-97B1E5288140}" type="datetime1">
               <a:rPr lang="es-MX" smtClean="0"/>
-              <a:t>22/06/2018</a:t>
+              <a:t>06/07/2018</a:t>
             </a:fld>
             <a:endParaRPr lang="es-MX"/>
           </a:p>
@@ -10046,7 +10046,7 @@
           <a:p>
             <a:fld id="{71D4A01E-58B7-4E95-B611-CCD75B026A5D}" type="datetime1">
               <a:rPr lang="es-MX" smtClean="0"/>
-              <a:t>22/06/2018</a:t>
+              <a:t>06/07/2018</a:t>
             </a:fld>
             <a:endParaRPr lang="es-MX"/>
           </a:p>
@@ -10482,7 +10482,7 @@
           <a:p>
             <a:fld id="{2F1087C9-DB44-44FD-9E1D-7A9C2507E50D}" type="datetime1">
               <a:rPr lang="es-MX" smtClean="0"/>
-              <a:t>22/06/2018</a:t>
+              <a:t>06/07/2018</a:t>
             </a:fld>
             <a:endParaRPr lang="es-MX"/>
           </a:p>
@@ -10909,7 +10909,7 @@
           <a:p>
             <a:fld id="{86C499C8-E619-40EE-A327-D03ADBE772E0}" type="datetime1">
               <a:rPr lang="es-MX" smtClean="0"/>
-              <a:t>22/06/2018</a:t>
+              <a:t>06/07/2018</a:t>
             </a:fld>
             <a:endParaRPr lang="es-MX"/>
           </a:p>
@@ -11858,14 +11858,14 @@
                 <a:gridCol w="4175760">
                   <a:extLst>
                     <a:ext uri="{9D8B030D-6E8A-4147-A177-3AD203B41FA5}">
-                      <a16:colId xmlns="" xmlns:a16="http://schemas.microsoft.com/office/drawing/2014/main" val="1596070528"/>
+                      <a16:colId xmlns:a16="http://schemas.microsoft.com/office/drawing/2014/main" xmlns="" val="1596070528"/>
                     </a:ext>
                   </a:extLst>
                 </a:gridCol>
                 <a:gridCol w="4175760">
                   <a:extLst>
                     <a:ext uri="{9D8B030D-6E8A-4147-A177-3AD203B41FA5}">
-                      <a16:colId xmlns="" xmlns:a16="http://schemas.microsoft.com/office/drawing/2014/main" val="2641734424"/>
+                      <a16:colId xmlns:a16="http://schemas.microsoft.com/office/drawing/2014/main" xmlns="" val="2641734424"/>
                     </a:ext>
                   </a:extLst>
                 </a:gridCol>
@@ -11903,7 +11903,7 @@
                 </a:tc>
                 <a:extLst>
                   <a:ext uri="{0D108BD9-81ED-4DB2-BD59-A6C34878D82A}">
-                    <a16:rowId xmlns="" xmlns:a16="http://schemas.microsoft.com/office/drawing/2014/main" val="3965714803"/>
+                    <a16:rowId xmlns:a16="http://schemas.microsoft.com/office/drawing/2014/main" xmlns="" val="3965714803"/>
                   </a:ext>
                 </a:extLst>
               </a:tr>
@@ -11952,7 +11952,7 @@
                 </a:tc>
                 <a:extLst>
                   <a:ext uri="{0D108BD9-81ED-4DB2-BD59-A6C34878D82A}">
-                    <a16:rowId xmlns="" xmlns:a16="http://schemas.microsoft.com/office/drawing/2014/main" val="3608420769"/>
+                    <a16:rowId xmlns:a16="http://schemas.microsoft.com/office/drawing/2014/main" xmlns="" val="3608420769"/>
                   </a:ext>
                 </a:extLst>
               </a:tr>
@@ -12041,7 +12041,7 @@
                 </a:tc>
                 <a:extLst>
                   <a:ext uri="{0D108BD9-81ED-4DB2-BD59-A6C34878D82A}">
-                    <a16:rowId xmlns="" xmlns:a16="http://schemas.microsoft.com/office/drawing/2014/main" val="1604709653"/>
+                    <a16:rowId xmlns:a16="http://schemas.microsoft.com/office/drawing/2014/main" xmlns="" val="1604709653"/>
                   </a:ext>
                 </a:extLst>
               </a:tr>
@@ -12068,7 +12068,7 @@
                 </a:tc>
                 <a:extLst>
                   <a:ext uri="{0D108BD9-81ED-4DB2-BD59-A6C34878D82A}">
-                    <a16:rowId xmlns="" xmlns:a16="http://schemas.microsoft.com/office/drawing/2014/main" val="3862893529"/>
+                    <a16:rowId xmlns:a16="http://schemas.microsoft.com/office/drawing/2014/main" xmlns="" val="3862893529"/>
                   </a:ext>
                 </a:extLst>
               </a:tr>
@@ -16193,14 +16193,14 @@
                 <a:gridCol w="1293791">
                   <a:extLst>
                     <a:ext uri="{9D8B030D-6E8A-4147-A177-3AD203B41FA5}">
-                      <a16:colId xmlns="" xmlns:a16="http://schemas.microsoft.com/office/drawing/2014/main" val="20000"/>
+                      <a16:colId xmlns:a16="http://schemas.microsoft.com/office/drawing/2014/main" xmlns="" val="20000"/>
                     </a:ext>
                   </a:extLst>
                 </a:gridCol>
                 <a:gridCol w="1293791">
                   <a:extLst>
                     <a:ext uri="{9D8B030D-6E8A-4147-A177-3AD203B41FA5}">
-                      <a16:colId xmlns="" xmlns:a16="http://schemas.microsoft.com/office/drawing/2014/main" val="20001"/>
+                      <a16:colId xmlns:a16="http://schemas.microsoft.com/office/drawing/2014/main" xmlns="" val="20001"/>
                     </a:ext>
                   </a:extLst>
                 </a:gridCol>
@@ -16240,7 +16240,7 @@
                 </a:tc>
                 <a:extLst>
                   <a:ext uri="{0D108BD9-81ED-4DB2-BD59-A6C34878D82A}">
-                    <a16:rowId xmlns="" xmlns:a16="http://schemas.microsoft.com/office/drawing/2014/main" val="10000"/>
+                    <a16:rowId xmlns:a16="http://schemas.microsoft.com/office/drawing/2014/main" xmlns="" val="10000"/>
                   </a:ext>
                 </a:extLst>
               </a:tr>
@@ -16277,7 +16277,7 @@
                 </a:tc>
                 <a:extLst>
                   <a:ext uri="{0D108BD9-81ED-4DB2-BD59-A6C34878D82A}">
-                    <a16:rowId xmlns="" xmlns:a16="http://schemas.microsoft.com/office/drawing/2014/main" val="10001"/>
+                    <a16:rowId xmlns:a16="http://schemas.microsoft.com/office/drawing/2014/main" xmlns="" val="10001"/>
                   </a:ext>
                 </a:extLst>
               </a:tr>
@@ -16314,7 +16314,7 @@
                 </a:tc>
                 <a:extLst>
                   <a:ext uri="{0D108BD9-81ED-4DB2-BD59-A6C34878D82A}">
-                    <a16:rowId xmlns="" xmlns:a16="http://schemas.microsoft.com/office/drawing/2014/main" val="10002"/>
+                    <a16:rowId xmlns:a16="http://schemas.microsoft.com/office/drawing/2014/main" xmlns="" val="10002"/>
                   </a:ext>
                 </a:extLst>
               </a:tr>
@@ -16462,21 +16462,21 @@
                 <a:gridCol w="2380575">
                   <a:extLst>
                     <a:ext uri="{9D8B030D-6E8A-4147-A177-3AD203B41FA5}">
-                      <a16:colId xmlns="" xmlns:a16="http://schemas.microsoft.com/office/drawing/2014/main" val="20000"/>
+                      <a16:colId xmlns:a16="http://schemas.microsoft.com/office/drawing/2014/main" xmlns="" val="20000"/>
                     </a:ext>
                   </a:extLst>
                 </a:gridCol>
                 <a:gridCol w="2380575">
                   <a:extLst>
                     <a:ext uri="{9D8B030D-6E8A-4147-A177-3AD203B41FA5}">
-                      <a16:colId xmlns="" xmlns:a16="http://schemas.microsoft.com/office/drawing/2014/main" val="20001"/>
+                      <a16:colId xmlns:a16="http://schemas.microsoft.com/office/drawing/2014/main" xmlns="" val="20001"/>
                     </a:ext>
                   </a:extLst>
                 </a:gridCol>
                 <a:gridCol w="2380575">
                   <a:extLst>
                     <a:ext uri="{9D8B030D-6E8A-4147-A177-3AD203B41FA5}">
-                      <a16:colId xmlns="" xmlns:a16="http://schemas.microsoft.com/office/drawing/2014/main" val="20002"/>
+                      <a16:colId xmlns:a16="http://schemas.microsoft.com/office/drawing/2014/main" xmlns="" val="20002"/>
                     </a:ext>
                   </a:extLst>
                 </a:gridCol>
@@ -16559,7 +16559,7 @@
                 </a:tc>
                 <a:extLst>
                   <a:ext uri="{0D108BD9-81ED-4DB2-BD59-A6C34878D82A}">
-                    <a16:rowId xmlns="" xmlns:a16="http://schemas.microsoft.com/office/drawing/2014/main" val="10000"/>
+                    <a16:rowId xmlns:a16="http://schemas.microsoft.com/office/drawing/2014/main" xmlns="" val="10000"/>
                   </a:ext>
                 </a:extLst>
               </a:tr>
@@ -16641,7 +16641,7 @@
                 </a:tc>
                 <a:extLst>
                   <a:ext uri="{0D108BD9-81ED-4DB2-BD59-A6C34878D82A}">
-                    <a16:rowId xmlns="" xmlns:a16="http://schemas.microsoft.com/office/drawing/2014/main" val="10001"/>
+                    <a16:rowId xmlns:a16="http://schemas.microsoft.com/office/drawing/2014/main" xmlns="" val="10001"/>
                   </a:ext>
                 </a:extLst>
               </a:tr>
@@ -16723,7 +16723,7 @@
                 </a:tc>
                 <a:extLst>
                   <a:ext uri="{0D108BD9-81ED-4DB2-BD59-A6C34878D82A}">
-                    <a16:rowId xmlns="" xmlns:a16="http://schemas.microsoft.com/office/drawing/2014/main" val="10002"/>
+                    <a16:rowId xmlns:a16="http://schemas.microsoft.com/office/drawing/2014/main" xmlns="" val="10002"/>
                   </a:ext>
                 </a:extLst>
               </a:tr>
@@ -16805,7 +16805,7 @@
                 </a:tc>
                 <a:extLst>
                   <a:ext uri="{0D108BD9-81ED-4DB2-BD59-A6C34878D82A}">
-                    <a16:rowId xmlns="" xmlns:a16="http://schemas.microsoft.com/office/drawing/2014/main" val="10003"/>
+                    <a16:rowId xmlns:a16="http://schemas.microsoft.com/office/drawing/2014/main" xmlns="" val="10003"/>
                   </a:ext>
                 </a:extLst>
               </a:tr>
@@ -16887,7 +16887,7 @@
                 </a:tc>
                 <a:extLst>
                   <a:ext uri="{0D108BD9-81ED-4DB2-BD59-A6C34878D82A}">
-                    <a16:rowId xmlns="" xmlns:a16="http://schemas.microsoft.com/office/drawing/2014/main" val="10004"/>
+                    <a16:rowId xmlns:a16="http://schemas.microsoft.com/office/drawing/2014/main" xmlns="" val="10004"/>
                   </a:ext>
                 </a:extLst>
               </a:tr>
@@ -17008,21 +17008,21 @@
                 <a:gridCol w="2401156">
                   <a:extLst>
                     <a:ext uri="{9D8B030D-6E8A-4147-A177-3AD203B41FA5}">
-                      <a16:colId xmlns="" xmlns:a16="http://schemas.microsoft.com/office/drawing/2014/main" val="20000"/>
+                      <a16:colId xmlns:a16="http://schemas.microsoft.com/office/drawing/2014/main" xmlns="" val="20000"/>
                     </a:ext>
                   </a:extLst>
                 </a:gridCol>
                 <a:gridCol w="2401156">
                   <a:extLst>
                     <a:ext uri="{9D8B030D-6E8A-4147-A177-3AD203B41FA5}">
-                      <a16:colId xmlns="" xmlns:a16="http://schemas.microsoft.com/office/drawing/2014/main" val="20001"/>
+                      <a16:colId xmlns:a16="http://schemas.microsoft.com/office/drawing/2014/main" xmlns="" val="20001"/>
                     </a:ext>
                   </a:extLst>
                 </a:gridCol>
                 <a:gridCol w="2401156">
                   <a:extLst>
                     <a:ext uri="{9D8B030D-6E8A-4147-A177-3AD203B41FA5}">
-                      <a16:colId xmlns="" xmlns:a16="http://schemas.microsoft.com/office/drawing/2014/main" val="20002"/>
+                      <a16:colId xmlns:a16="http://schemas.microsoft.com/office/drawing/2014/main" xmlns="" val="20002"/>
                     </a:ext>
                   </a:extLst>
                 </a:gridCol>
@@ -17078,7 +17078,7 @@
                 </a:tc>
                 <a:extLst>
                   <a:ext uri="{0D108BD9-81ED-4DB2-BD59-A6C34878D82A}">
-                    <a16:rowId xmlns="" xmlns:a16="http://schemas.microsoft.com/office/drawing/2014/main" val="10000"/>
+                    <a16:rowId xmlns:a16="http://schemas.microsoft.com/office/drawing/2014/main" xmlns="" val="10000"/>
                   </a:ext>
                 </a:extLst>
               </a:tr>
@@ -17130,7 +17130,7 @@
                 </a:tc>
                 <a:extLst>
                   <a:ext uri="{0D108BD9-81ED-4DB2-BD59-A6C34878D82A}">
-                    <a16:rowId xmlns="" xmlns:a16="http://schemas.microsoft.com/office/drawing/2014/main" val="10001"/>
+                    <a16:rowId xmlns:a16="http://schemas.microsoft.com/office/drawing/2014/main" xmlns="" val="10001"/>
                   </a:ext>
                 </a:extLst>
               </a:tr>
@@ -17182,7 +17182,7 @@
                 </a:tc>
                 <a:extLst>
                   <a:ext uri="{0D108BD9-81ED-4DB2-BD59-A6C34878D82A}">
-                    <a16:rowId xmlns="" xmlns:a16="http://schemas.microsoft.com/office/drawing/2014/main" val="10002"/>
+                    <a16:rowId xmlns:a16="http://schemas.microsoft.com/office/drawing/2014/main" xmlns="" val="10002"/>
                   </a:ext>
                 </a:extLst>
               </a:tr>
@@ -17234,7 +17234,7 @@
                 </a:tc>
                 <a:extLst>
                   <a:ext uri="{0D108BD9-81ED-4DB2-BD59-A6C34878D82A}">
-                    <a16:rowId xmlns="" xmlns:a16="http://schemas.microsoft.com/office/drawing/2014/main" val="10003"/>
+                    <a16:rowId xmlns:a16="http://schemas.microsoft.com/office/drawing/2014/main" xmlns="" val="10003"/>
                   </a:ext>
                 </a:extLst>
               </a:tr>
@@ -17286,7 +17286,7 @@
                 </a:tc>
                 <a:extLst>
                   <a:ext uri="{0D108BD9-81ED-4DB2-BD59-A6C34878D82A}">
-                    <a16:rowId xmlns="" xmlns:a16="http://schemas.microsoft.com/office/drawing/2014/main" val="10004"/>
+                    <a16:rowId xmlns:a16="http://schemas.microsoft.com/office/drawing/2014/main" xmlns="" val="10004"/>
                   </a:ext>
                 </a:extLst>
               </a:tr>
@@ -24782,21 +24782,21 @@
                 <a:gridCol w="1727200">
                   <a:extLst>
                     <a:ext uri="{9D8B030D-6E8A-4147-A177-3AD203B41FA5}">
-                      <a16:colId xmlns="" xmlns:a16="http://schemas.microsoft.com/office/drawing/2014/main" val="358809226"/>
+                      <a16:colId xmlns:a16="http://schemas.microsoft.com/office/drawing/2014/main" xmlns="" val="358809226"/>
                     </a:ext>
                   </a:extLst>
                 </a:gridCol>
                 <a:gridCol w="3683726">
                   <a:extLst>
                     <a:ext uri="{9D8B030D-6E8A-4147-A177-3AD203B41FA5}">
-                      <a16:colId xmlns="" xmlns:a16="http://schemas.microsoft.com/office/drawing/2014/main" val="297456553"/>
+                      <a16:colId xmlns:a16="http://schemas.microsoft.com/office/drawing/2014/main" xmlns="" val="297456553"/>
                     </a:ext>
                   </a:extLst>
                 </a:gridCol>
                 <a:gridCol w="3555273">
                   <a:extLst>
                     <a:ext uri="{9D8B030D-6E8A-4147-A177-3AD203B41FA5}">
-                      <a16:colId xmlns="" xmlns:a16="http://schemas.microsoft.com/office/drawing/2014/main" val="1164694110"/>
+                      <a16:colId xmlns:a16="http://schemas.microsoft.com/office/drawing/2014/main" xmlns="" val="1164694110"/>
                     </a:ext>
                   </a:extLst>
                 </a:gridCol>
@@ -24966,7 +24966,7 @@
                 </a:tc>
                 <a:extLst>
                   <a:ext uri="{0D108BD9-81ED-4DB2-BD59-A6C34878D82A}">
-                    <a16:rowId xmlns="" xmlns:a16="http://schemas.microsoft.com/office/drawing/2014/main" val="1422047462"/>
+                    <a16:rowId xmlns:a16="http://schemas.microsoft.com/office/drawing/2014/main" xmlns="" val="1422047462"/>
                   </a:ext>
                 </a:extLst>
               </a:tr>
@@ -25134,7 +25134,7 @@
                 </a:tc>
                 <a:extLst>
                   <a:ext uri="{0D108BD9-81ED-4DB2-BD59-A6C34878D82A}">
-                    <a16:rowId xmlns="" xmlns:a16="http://schemas.microsoft.com/office/drawing/2014/main" val="1025029199"/>
+                    <a16:rowId xmlns:a16="http://schemas.microsoft.com/office/drawing/2014/main" xmlns="" val="1025029199"/>
                   </a:ext>
                 </a:extLst>
               </a:tr>
@@ -25302,7 +25302,7 @@
                 </a:tc>
                 <a:extLst>
                   <a:ext uri="{0D108BD9-81ED-4DB2-BD59-A6C34878D82A}">
-                    <a16:rowId xmlns="" xmlns:a16="http://schemas.microsoft.com/office/drawing/2014/main" val="3630539612"/>
+                    <a16:rowId xmlns:a16="http://schemas.microsoft.com/office/drawing/2014/main" xmlns="" val="3630539612"/>
                   </a:ext>
                 </a:extLst>
               </a:tr>
@@ -25470,7 +25470,7 @@
                 </a:tc>
                 <a:extLst>
                   <a:ext uri="{0D108BD9-81ED-4DB2-BD59-A6C34878D82A}">
-                    <a16:rowId xmlns="" xmlns:a16="http://schemas.microsoft.com/office/drawing/2014/main" val="167998149"/>
+                    <a16:rowId xmlns:a16="http://schemas.microsoft.com/office/drawing/2014/main" xmlns="" val="167998149"/>
                   </a:ext>
                 </a:extLst>
               </a:tr>
@@ -25638,7 +25638,7 @@
                 </a:tc>
                 <a:extLst>
                   <a:ext uri="{0D108BD9-81ED-4DB2-BD59-A6C34878D82A}">
-                    <a16:rowId xmlns="" xmlns:a16="http://schemas.microsoft.com/office/drawing/2014/main" val="3409953350"/>
+                    <a16:rowId xmlns:a16="http://schemas.microsoft.com/office/drawing/2014/main" xmlns="" val="3409953350"/>
                   </a:ext>
                 </a:extLst>
               </a:tr>
@@ -25961,21 +25961,21 @@
                 <a:gridCol w="2164924">
                   <a:extLst>
                     <a:ext uri="{9D8B030D-6E8A-4147-A177-3AD203B41FA5}">
-                      <a16:colId xmlns="" xmlns:a16="http://schemas.microsoft.com/office/drawing/2014/main" val="3922543209"/>
+                      <a16:colId xmlns:a16="http://schemas.microsoft.com/office/drawing/2014/main" xmlns="" val="3922543209"/>
                     </a:ext>
                   </a:extLst>
                 </a:gridCol>
                 <a:gridCol w="3216997">
                   <a:extLst>
                     <a:ext uri="{9D8B030D-6E8A-4147-A177-3AD203B41FA5}">
-                      <a16:colId xmlns="" xmlns:a16="http://schemas.microsoft.com/office/drawing/2014/main" val="858933005"/>
+                      <a16:colId xmlns:a16="http://schemas.microsoft.com/office/drawing/2014/main" xmlns="" val="858933005"/>
                     </a:ext>
                   </a:extLst>
                 </a:gridCol>
                 <a:gridCol w="3438409">
                   <a:extLst>
                     <a:ext uri="{9D8B030D-6E8A-4147-A177-3AD203B41FA5}">
-                      <a16:colId xmlns="" xmlns:a16="http://schemas.microsoft.com/office/drawing/2014/main" val="1965635707"/>
+                      <a16:colId xmlns:a16="http://schemas.microsoft.com/office/drawing/2014/main" xmlns="" val="1965635707"/>
                     </a:ext>
                   </a:extLst>
                 </a:gridCol>
@@ -26145,7 +26145,7 @@
                 </a:tc>
                 <a:extLst>
                   <a:ext uri="{0D108BD9-81ED-4DB2-BD59-A6C34878D82A}">
-                    <a16:rowId xmlns="" xmlns:a16="http://schemas.microsoft.com/office/drawing/2014/main" val="1163032766"/>
+                    <a16:rowId xmlns:a16="http://schemas.microsoft.com/office/drawing/2014/main" xmlns="" val="1163032766"/>
                   </a:ext>
                 </a:extLst>
               </a:tr>
@@ -26321,7 +26321,7 @@
                 </a:tc>
                 <a:extLst>
                   <a:ext uri="{0D108BD9-81ED-4DB2-BD59-A6C34878D82A}">
-                    <a16:rowId xmlns="" xmlns:a16="http://schemas.microsoft.com/office/drawing/2014/main" val="51063936"/>
+                    <a16:rowId xmlns:a16="http://schemas.microsoft.com/office/drawing/2014/main" xmlns="" val="51063936"/>
                   </a:ext>
                 </a:extLst>
               </a:tr>
@@ -26489,7 +26489,7 @@
                 </a:tc>
                 <a:extLst>
                   <a:ext uri="{0D108BD9-81ED-4DB2-BD59-A6C34878D82A}">
-                    <a16:rowId xmlns="" xmlns:a16="http://schemas.microsoft.com/office/drawing/2014/main" val="2183499688"/>
+                    <a16:rowId xmlns:a16="http://schemas.microsoft.com/office/drawing/2014/main" xmlns="" val="2183499688"/>
                   </a:ext>
                 </a:extLst>
               </a:tr>
@@ -26657,7 +26657,7 @@
                 </a:tc>
                 <a:extLst>
                   <a:ext uri="{0D108BD9-81ED-4DB2-BD59-A6C34878D82A}">
-                    <a16:rowId xmlns="" xmlns:a16="http://schemas.microsoft.com/office/drawing/2014/main" val="2855653339"/>
+                    <a16:rowId xmlns:a16="http://schemas.microsoft.com/office/drawing/2014/main" xmlns="" val="2855653339"/>
                   </a:ext>
                 </a:extLst>
               </a:tr>
@@ -26833,7 +26833,7 @@
                 </a:tc>
                 <a:extLst>
                   <a:ext uri="{0D108BD9-81ED-4DB2-BD59-A6C34878D82A}">
-                    <a16:rowId xmlns="" xmlns:a16="http://schemas.microsoft.com/office/drawing/2014/main" val="503806477"/>
+                    <a16:rowId xmlns:a16="http://schemas.microsoft.com/office/drawing/2014/main" xmlns="" val="503806477"/>
                   </a:ext>
                 </a:extLst>
               </a:tr>
@@ -27263,21 +27263,21 @@
                 <a:gridCol w="2197463">
                   <a:extLst>
                     <a:ext uri="{9D8B030D-6E8A-4147-A177-3AD203B41FA5}">
-                      <a16:colId xmlns="" xmlns:a16="http://schemas.microsoft.com/office/drawing/2014/main" val="2157772263"/>
+                      <a16:colId xmlns:a16="http://schemas.microsoft.com/office/drawing/2014/main" xmlns="" val="2157772263"/>
                     </a:ext>
                   </a:extLst>
                 </a:gridCol>
                 <a:gridCol w="3604381">
                   <a:extLst>
                     <a:ext uri="{9D8B030D-6E8A-4147-A177-3AD203B41FA5}">
-                      <a16:colId xmlns="" xmlns:a16="http://schemas.microsoft.com/office/drawing/2014/main" val="1267885860"/>
+                      <a16:colId xmlns:a16="http://schemas.microsoft.com/office/drawing/2014/main" xmlns="" val="1267885860"/>
                     </a:ext>
                   </a:extLst>
                 </a:gridCol>
                 <a:gridCol w="2900922">
                   <a:extLst>
                     <a:ext uri="{9D8B030D-6E8A-4147-A177-3AD203B41FA5}">
-                      <a16:colId xmlns="" xmlns:a16="http://schemas.microsoft.com/office/drawing/2014/main" val="1979749074"/>
+                      <a16:colId xmlns:a16="http://schemas.microsoft.com/office/drawing/2014/main" xmlns="" val="1979749074"/>
                     </a:ext>
                   </a:extLst>
                 </a:gridCol>
@@ -27447,7 +27447,7 @@
                 </a:tc>
                 <a:extLst>
                   <a:ext uri="{0D108BD9-81ED-4DB2-BD59-A6C34878D82A}">
-                    <a16:rowId xmlns="" xmlns:a16="http://schemas.microsoft.com/office/drawing/2014/main" val="3316551353"/>
+                    <a16:rowId xmlns:a16="http://schemas.microsoft.com/office/drawing/2014/main" xmlns="" val="3316551353"/>
                   </a:ext>
                 </a:extLst>
               </a:tr>
@@ -27623,7 +27623,7 @@
                 </a:tc>
                 <a:extLst>
                   <a:ext uri="{0D108BD9-81ED-4DB2-BD59-A6C34878D82A}">
-                    <a16:rowId xmlns="" xmlns:a16="http://schemas.microsoft.com/office/drawing/2014/main" val="1633316216"/>
+                    <a16:rowId xmlns:a16="http://schemas.microsoft.com/office/drawing/2014/main" xmlns="" val="1633316216"/>
                   </a:ext>
                 </a:extLst>
               </a:tr>
@@ -27791,7 +27791,7 @@
                 </a:tc>
                 <a:extLst>
                   <a:ext uri="{0D108BD9-81ED-4DB2-BD59-A6C34878D82A}">
-                    <a16:rowId xmlns="" xmlns:a16="http://schemas.microsoft.com/office/drawing/2014/main" val="2689658534"/>
+                    <a16:rowId xmlns:a16="http://schemas.microsoft.com/office/drawing/2014/main" xmlns="" val="2689658534"/>
                   </a:ext>
                 </a:extLst>
               </a:tr>
@@ -27959,7 +27959,7 @@
                 </a:tc>
                 <a:extLst>
                   <a:ext uri="{0D108BD9-81ED-4DB2-BD59-A6C34878D82A}">
-                    <a16:rowId xmlns="" xmlns:a16="http://schemas.microsoft.com/office/drawing/2014/main" val="805584501"/>
+                    <a16:rowId xmlns:a16="http://schemas.microsoft.com/office/drawing/2014/main" xmlns="" val="805584501"/>
                   </a:ext>
                 </a:extLst>
               </a:tr>
@@ -28127,7 +28127,7 @@
                 </a:tc>
                 <a:extLst>
                   <a:ext uri="{0D108BD9-81ED-4DB2-BD59-A6C34878D82A}">
-                    <a16:rowId xmlns="" xmlns:a16="http://schemas.microsoft.com/office/drawing/2014/main" val="450654003"/>
+                    <a16:rowId xmlns:a16="http://schemas.microsoft.com/office/drawing/2014/main" xmlns="" val="450654003"/>
                   </a:ext>
                 </a:extLst>
               </a:tr>
@@ -28295,7 +28295,7 @@
                 </a:tc>
                 <a:extLst>
                   <a:ext uri="{0D108BD9-81ED-4DB2-BD59-A6C34878D82A}">
-                    <a16:rowId xmlns="" xmlns:a16="http://schemas.microsoft.com/office/drawing/2014/main" val="1806206319"/>
+                    <a16:rowId xmlns:a16="http://schemas.microsoft.com/office/drawing/2014/main" xmlns="" val="1806206319"/>
                   </a:ext>
                 </a:extLst>
               </a:tr>
@@ -28463,7 +28463,7 @@
                 </a:tc>
                 <a:extLst>
                   <a:ext uri="{0D108BD9-81ED-4DB2-BD59-A6C34878D82A}">
-                    <a16:rowId xmlns="" xmlns:a16="http://schemas.microsoft.com/office/drawing/2014/main" val="3556397882"/>
+                    <a16:rowId xmlns:a16="http://schemas.microsoft.com/office/drawing/2014/main" xmlns="" val="3556397882"/>
                   </a:ext>
                 </a:extLst>
               </a:tr>
@@ -28559,21 +28559,21 @@
                 <a:gridCol w="2145211">
                   <a:extLst>
                     <a:ext uri="{9D8B030D-6E8A-4147-A177-3AD203B41FA5}">
-                      <a16:colId xmlns="" xmlns:a16="http://schemas.microsoft.com/office/drawing/2014/main" val="2157772263"/>
+                      <a16:colId xmlns:a16="http://schemas.microsoft.com/office/drawing/2014/main" xmlns="" val="2157772263"/>
                     </a:ext>
                   </a:extLst>
                 </a:gridCol>
                 <a:gridCol w="3656633">
                   <a:extLst>
                     <a:ext uri="{9D8B030D-6E8A-4147-A177-3AD203B41FA5}">
-                      <a16:colId xmlns="" xmlns:a16="http://schemas.microsoft.com/office/drawing/2014/main" val="1267885860"/>
+                      <a16:colId xmlns:a16="http://schemas.microsoft.com/office/drawing/2014/main" xmlns="" val="1267885860"/>
                     </a:ext>
                   </a:extLst>
                 </a:gridCol>
                 <a:gridCol w="2900922">
                   <a:extLst>
                     <a:ext uri="{9D8B030D-6E8A-4147-A177-3AD203B41FA5}">
-                      <a16:colId xmlns="" xmlns:a16="http://schemas.microsoft.com/office/drawing/2014/main" val="1979749074"/>
+                      <a16:colId xmlns:a16="http://schemas.microsoft.com/office/drawing/2014/main" xmlns="" val="1979749074"/>
                     </a:ext>
                   </a:extLst>
                 </a:gridCol>
@@ -28743,7 +28743,7 @@
                 </a:tc>
                 <a:extLst>
                   <a:ext uri="{0D108BD9-81ED-4DB2-BD59-A6C34878D82A}">
-                    <a16:rowId xmlns="" xmlns:a16="http://schemas.microsoft.com/office/drawing/2014/main" val="3316551353"/>
+                    <a16:rowId xmlns:a16="http://schemas.microsoft.com/office/drawing/2014/main" xmlns="" val="3316551353"/>
                   </a:ext>
                 </a:extLst>
               </a:tr>
@@ -28919,7 +28919,7 @@
                 </a:tc>
                 <a:extLst>
                   <a:ext uri="{0D108BD9-81ED-4DB2-BD59-A6C34878D82A}">
-                    <a16:rowId xmlns="" xmlns:a16="http://schemas.microsoft.com/office/drawing/2014/main" val="1117863344"/>
+                    <a16:rowId xmlns:a16="http://schemas.microsoft.com/office/drawing/2014/main" xmlns="" val="1117863344"/>
                   </a:ext>
                 </a:extLst>
               </a:tr>
@@ -29087,7 +29087,7 @@
                 </a:tc>
                 <a:extLst>
                   <a:ext uri="{0D108BD9-81ED-4DB2-BD59-A6C34878D82A}">
-                    <a16:rowId xmlns="" xmlns:a16="http://schemas.microsoft.com/office/drawing/2014/main" val="639389263"/>
+                    <a16:rowId xmlns:a16="http://schemas.microsoft.com/office/drawing/2014/main" xmlns="" val="639389263"/>
                   </a:ext>
                 </a:extLst>
               </a:tr>
@@ -29255,7 +29255,7 @@
                 </a:tc>
                 <a:extLst>
                   <a:ext uri="{0D108BD9-81ED-4DB2-BD59-A6C34878D82A}">
-                    <a16:rowId xmlns="" xmlns:a16="http://schemas.microsoft.com/office/drawing/2014/main" val="1805114380"/>
+                    <a16:rowId xmlns:a16="http://schemas.microsoft.com/office/drawing/2014/main" xmlns="" val="1805114380"/>
                   </a:ext>
                 </a:extLst>
               </a:tr>
@@ -29423,7 +29423,7 @@
                 </a:tc>
                 <a:extLst>
                   <a:ext uri="{0D108BD9-81ED-4DB2-BD59-A6C34878D82A}">
-                    <a16:rowId xmlns="" xmlns:a16="http://schemas.microsoft.com/office/drawing/2014/main" val="4186705132"/>
+                    <a16:rowId xmlns:a16="http://schemas.microsoft.com/office/drawing/2014/main" xmlns="" val="4186705132"/>
                   </a:ext>
                 </a:extLst>
               </a:tr>
@@ -29599,7 +29599,7 @@
                 </a:tc>
                 <a:extLst>
                   <a:ext uri="{0D108BD9-81ED-4DB2-BD59-A6C34878D82A}">
-                    <a16:rowId xmlns="" xmlns:a16="http://schemas.microsoft.com/office/drawing/2014/main" val="1480033773"/>
+                    <a16:rowId xmlns:a16="http://schemas.microsoft.com/office/drawing/2014/main" xmlns="" val="1480033773"/>
                   </a:ext>
                 </a:extLst>
               </a:tr>
@@ -31606,8 +31606,8 @@
         </p:blipFill>
         <p:spPr>
           <a:xfrm>
-            <a:off x="2181497" y="2809083"/>
-            <a:ext cx="9902554" cy="2254764"/>
+            <a:off x="1268556" y="2249885"/>
+            <a:ext cx="10670887" cy="3167854"/>
           </a:xfrm>
           <a:prstGeom prst="rect">
             <a:avLst/>
@@ -34395,7 +34395,7 @@
         </p:blipFill>
         <p:spPr>
           <a:xfrm>
-            <a:off x="2075970" y="1589246"/>
+            <a:off x="1591061" y="1413465"/>
             <a:ext cx="6887536" cy="3038899"/>
           </a:xfrm>
           <a:prstGeom prst="rect">
